--- a/Characters.pptx
+++ b/Characters.pptx
@@ -8,6 +8,7 @@
     <p:sldId id="256" r:id="rId2"/>
     <p:sldId id="257" r:id="rId3"/>
     <p:sldId id="258" r:id="rId4"/>
+    <p:sldId id="259" r:id="rId5"/>
   </p:sldIdLst>
   <p:sldSz cx="12192000" cy="6858000"/>
   <p:notesSz cx="6858000" cy="9144000"/>
@@ -106,6 +107,11 @@
       </a:defRPr>
     </a:lvl9pPr>
   </p:defaultTextStyle>
+  <p:extLst>
+    <p:ext uri="{EFAFB233-063F-42B5-8137-9DF3F51BA10A}">
+      <p15:sldGuideLst xmlns:p15="http://schemas.microsoft.com/office/powerpoint/2012/main"/>
+    </p:ext>
+  </p:extLst>
 </p:presentation>
 </file>
 
@@ -3146,35 +3152,314 @@
           <a:p>
             <a:r>
               <a:rPr lang="en-IN" dirty="0" smtClean="0"/>
-              <a:t>Raccoon</a:t>
+              <a:t>Raccoon: Walking</a:t>
             </a:r>
             <a:endParaRPr lang="en-US" dirty="0"/>
           </a:p>
         </p:txBody>
       </p:sp>
-      <p:sp>
-        <p:nvSpPr>
-          <p:cNvPr id="3" name="Content Placeholder 2"/>
-          <p:cNvSpPr>
-            <a:spLocks noGrp="1"/>
-          </p:cNvSpPr>
+      <p:pic>
+        <p:nvPicPr>
+          <p:cNvPr id="4" name="Content Placeholder 3"/>
+          <p:cNvPicPr>
+            <a:picLocks noGrp="1" noChangeAspect="1"/>
+          </p:cNvPicPr>
           <p:nvPr>
             <p:ph idx="1"/>
           </p:nvPr>
-        </p:nvSpPr>
-        <p:spPr/>
-        <p:txBody>
-          <a:bodyPr/>
-          <a:lstStyle/>
-          <a:p>
-            <a:endParaRPr lang="en-US"/>
-          </a:p>
-        </p:txBody>
-      </p:sp>
+        </p:nvPicPr>
+        <p:blipFill rotWithShape="1">
+          <a:blip r:embed="rId2">
+            <a:extLst>
+              <a:ext uri="{28A0092B-C50C-407E-A947-70E740481C1C}">
+                <a14:useLocalDpi xmlns:a14="http://schemas.microsoft.com/office/drawing/2010/main" val="0"/>
+              </a:ext>
+            </a:extLst>
+          </a:blip>
+          <a:srcRect l="12500" r="12500"/>
+          <a:stretch/>
+        </p:blipFill>
+        <p:spPr>
+          <a:xfrm>
+            <a:off x="81575" y="1506447"/>
+            <a:ext cx="3600000" cy="3600000"/>
+          </a:xfrm>
+        </p:spPr>
+      </p:pic>
+      <p:pic>
+        <p:nvPicPr>
+          <p:cNvPr id="5" name="Picture 4"/>
+          <p:cNvPicPr>
+            <a:picLocks noChangeAspect="1"/>
+          </p:cNvPicPr>
+          <p:nvPr/>
+        </p:nvPicPr>
+        <p:blipFill rotWithShape="1">
+          <a:blip r:embed="rId3">
+            <a:extLst>
+              <a:ext uri="{28A0092B-C50C-407E-A947-70E740481C1C}">
+                <a14:useLocalDpi xmlns:a14="http://schemas.microsoft.com/office/drawing/2010/main" val="0"/>
+              </a:ext>
+            </a:extLst>
+          </a:blip>
+          <a:srcRect l="19005" t="14465" r="24923" b="10772"/>
+          <a:stretch/>
+        </p:blipFill>
+        <p:spPr>
+          <a:xfrm>
+            <a:off x="3925018" y="2027207"/>
+            <a:ext cx="2691441" cy="2691441"/>
+          </a:xfrm>
+          <a:prstGeom prst="rect">
+            <a:avLst/>
+          </a:prstGeom>
+        </p:spPr>
+      </p:pic>
+      <p:pic>
+        <p:nvPicPr>
+          <p:cNvPr id="6" name="Content Placeholder 3"/>
+          <p:cNvPicPr>
+            <a:picLocks noChangeAspect="1"/>
+          </p:cNvPicPr>
+          <p:nvPr/>
+        </p:nvPicPr>
+        <p:blipFill rotWithShape="1">
+          <a:blip r:embed="rId2">
+            <a:extLst>
+              <a:ext uri="{28A0092B-C50C-407E-A947-70E740481C1C}">
+                <a14:useLocalDpi xmlns:a14="http://schemas.microsoft.com/office/drawing/2010/main" val="0"/>
+              </a:ext>
+            </a:extLst>
+          </a:blip>
+          <a:srcRect l="12500" r="12500"/>
+          <a:stretch/>
+        </p:blipFill>
+        <p:spPr>
+          <a:xfrm>
+            <a:off x="7281757" y="1506447"/>
+            <a:ext cx="3600000" cy="3600000"/>
+          </a:xfrm>
+          <a:prstGeom prst="rect">
+            <a:avLst/>
+          </a:prstGeom>
+        </p:spPr>
+      </p:pic>
     </p:spTree>
     <p:extLst>
       <p:ext uri="{BB962C8B-B14F-4D97-AF65-F5344CB8AC3E}">
         <p14:creationId xmlns:p14="http://schemas.microsoft.com/office/powerpoint/2010/main" val="396098762"/>
+      </p:ext>
+    </p:extLst>
+  </p:cSld>
+  <p:clrMapOvr>
+    <a:masterClrMapping/>
+  </p:clrMapOvr>
+</p:sld>
+</file>
+
+<file path=ppt/slides/slide4.xml><?xml version="1.0" encoding="utf-8"?>
+<p:sld xmlns:a="http://schemas.openxmlformats.org/drawingml/2006/main" xmlns:r="http://schemas.openxmlformats.org/officeDocument/2006/relationships" xmlns:p="http://schemas.openxmlformats.org/presentationml/2006/main">
+  <p:cSld>
+    <p:spTree>
+      <p:nvGrpSpPr>
+        <p:cNvPr id="1" name=""/>
+        <p:cNvGrpSpPr/>
+        <p:nvPr/>
+      </p:nvGrpSpPr>
+      <p:grpSpPr>
+        <a:xfrm>
+          <a:off x="0" y="0"/>
+          <a:ext cx="0" cy="0"/>
+          <a:chOff x="0" y="0"/>
+          <a:chExt cx="0" cy="0"/>
+        </a:xfrm>
+      </p:grpSpPr>
+      <p:sp>
+        <p:nvSpPr>
+          <p:cNvPr id="2" name="Title 1"/>
+          <p:cNvSpPr>
+            <a:spLocks noGrp="1"/>
+          </p:cNvSpPr>
+          <p:nvPr>
+            <p:ph type="title"/>
+          </p:nvPr>
+        </p:nvSpPr>
+        <p:spPr/>
+        <p:txBody>
+          <a:bodyPr/>
+          <a:lstStyle/>
+          <a:p>
+            <a:r>
+              <a:rPr lang="en-IN" dirty="0" smtClean="0"/>
+              <a:t>Raccoon: Jumping</a:t>
+            </a:r>
+            <a:endParaRPr lang="en-US" dirty="0"/>
+          </a:p>
+        </p:txBody>
+      </p:sp>
+      <p:pic>
+        <p:nvPicPr>
+          <p:cNvPr id="4" name="Content Placeholder 3"/>
+          <p:cNvPicPr>
+            <a:picLocks noGrp="1" noChangeAspect="1"/>
+          </p:cNvPicPr>
+          <p:nvPr>
+            <p:ph idx="1"/>
+          </p:nvPr>
+        </p:nvPicPr>
+        <p:blipFill rotWithShape="1">
+          <a:blip r:embed="rId2">
+            <a:extLst>
+              <a:ext uri="{28A0092B-C50C-407E-A947-70E740481C1C}">
+                <a14:useLocalDpi xmlns:a14="http://schemas.microsoft.com/office/drawing/2010/main" val="0"/>
+              </a:ext>
+            </a:extLst>
+          </a:blip>
+          <a:srcRect l="20595" t="14887" r="23243" b="10233"/>
+          <a:stretch/>
+        </p:blipFill>
+        <p:spPr>
+          <a:xfrm>
+            <a:off x="539150" y="3526046"/>
+            <a:ext cx="2695756" cy="2695756"/>
+          </a:xfrm>
+        </p:spPr>
+      </p:pic>
+      <p:pic>
+        <p:nvPicPr>
+          <p:cNvPr id="6" name="Content Placeholder 3"/>
+          <p:cNvPicPr>
+            <a:picLocks noChangeAspect="1"/>
+          </p:cNvPicPr>
+          <p:nvPr/>
+        </p:nvPicPr>
+        <p:blipFill rotWithShape="1">
+          <a:blip r:embed="rId2">
+            <a:extLst>
+              <a:ext uri="{28A0092B-C50C-407E-A947-70E740481C1C}">
+                <a14:useLocalDpi xmlns:a14="http://schemas.microsoft.com/office/drawing/2010/main" val="0"/>
+              </a:ext>
+            </a:extLst>
+          </a:blip>
+          <a:srcRect l="12500" r="12500"/>
+          <a:stretch/>
+        </p:blipFill>
+        <p:spPr>
+          <a:xfrm>
+            <a:off x="7920112" y="2938432"/>
+            <a:ext cx="3600000" cy="3600000"/>
+          </a:xfrm>
+          <a:prstGeom prst="rect">
+            <a:avLst/>
+          </a:prstGeom>
+        </p:spPr>
+      </p:pic>
+      <p:grpSp>
+        <p:nvGrpSpPr>
+          <p:cNvPr id="3" name="Group 2"/>
+          <p:cNvGrpSpPr/>
+          <p:nvPr/>
+        </p:nvGrpSpPr>
+        <p:grpSpPr>
+          <a:xfrm>
+            <a:off x="9159575" y="-388921"/>
+            <a:ext cx="3600000" cy="3208084"/>
+            <a:chOff x="3906089" y="1474385"/>
+            <a:chExt cx="3600000" cy="3208084"/>
+          </a:xfrm>
+        </p:grpSpPr>
+        <p:pic>
+          <p:nvPicPr>
+            <p:cNvPr id="5" name="Picture 4"/>
+            <p:cNvPicPr>
+              <a:picLocks noChangeAspect="1"/>
+            </p:cNvPicPr>
+            <p:nvPr/>
+          </p:nvPicPr>
+          <p:blipFill rotWithShape="1">
+            <a:blip r:embed="rId3">
+              <a:extLst>
+                <a:ext uri="{28A0092B-C50C-407E-A947-70E740481C1C}">
+                  <a14:useLocalDpi xmlns:a14="http://schemas.microsoft.com/office/drawing/2010/main" val="0"/>
+                </a:ext>
+              </a:extLst>
+            </a:blip>
+            <a:srcRect l="12500" r="12500" b="25629"/>
+            <a:stretch/>
+          </p:blipFill>
+          <p:spPr>
+            <a:xfrm rot="965540">
+              <a:off x="3906089" y="1474385"/>
+              <a:ext cx="3600000" cy="2677364"/>
+            </a:xfrm>
+            <a:prstGeom prst="rect">
+              <a:avLst/>
+            </a:prstGeom>
+          </p:spPr>
+        </p:pic>
+        <p:pic>
+          <p:nvPicPr>
+            <p:cNvPr id="7" name="Picture 6"/>
+            <p:cNvPicPr>
+              <a:picLocks noChangeAspect="1"/>
+            </p:cNvPicPr>
+            <p:nvPr/>
+          </p:nvPicPr>
+          <p:blipFill rotWithShape="1">
+            <a:blip r:embed="rId3">
+              <a:extLst>
+                <a:ext uri="{28A0092B-C50C-407E-A947-70E740481C1C}">
+                  <a14:useLocalDpi xmlns:a14="http://schemas.microsoft.com/office/drawing/2010/main" val="0"/>
+                </a:ext>
+              </a:extLst>
+            </a:blip>
+            <a:srcRect l="44584" t="63267" r="34748"/>
+            <a:stretch/>
+          </p:blipFill>
+          <p:spPr>
+            <a:xfrm rot="3709910">
+              <a:off x="4579769" y="3525264"/>
+              <a:ext cx="992038" cy="1322372"/>
+            </a:xfrm>
+            <a:prstGeom prst="rect">
+              <a:avLst/>
+            </a:prstGeom>
+          </p:spPr>
+        </p:pic>
+      </p:grpSp>
+      <p:pic>
+        <p:nvPicPr>
+          <p:cNvPr id="8" name="Picture 7"/>
+          <p:cNvPicPr>
+            <a:picLocks noChangeAspect="1"/>
+          </p:cNvPicPr>
+          <p:nvPr/>
+        </p:nvPicPr>
+        <p:blipFill rotWithShape="1">
+          <a:blip r:embed="rId4">
+            <a:extLst>
+              <a:ext uri="{28A0092B-C50C-407E-A947-70E740481C1C}">
+                <a14:useLocalDpi xmlns:a14="http://schemas.microsoft.com/office/drawing/2010/main" val="0"/>
+              </a:ext>
+            </a:extLst>
+          </a:blip>
+          <a:srcRect l="13266" t="24544" r="22547" b="6470"/>
+          <a:stretch/>
+        </p:blipFill>
+        <p:spPr>
+          <a:xfrm>
+            <a:off x="4476565" y="2389517"/>
+            <a:ext cx="2700068" cy="2700068"/>
+          </a:xfrm>
+          <a:prstGeom prst="rect">
+            <a:avLst/>
+          </a:prstGeom>
+        </p:spPr>
+      </p:pic>
+    </p:spTree>
+    <p:extLst>
+      <p:ext uri="{BB962C8B-B14F-4D97-AF65-F5344CB8AC3E}">
+        <p14:creationId xmlns:p14="http://schemas.microsoft.com/office/powerpoint/2010/main" val="3030903875"/>
       </p:ext>
     </p:extLst>
   </p:cSld>

--- a/Characters.pptx
+++ b/Characters.pptx
@@ -9,6 +9,7 @@
     <p:sldId id="257" r:id="rId3"/>
     <p:sldId id="258" r:id="rId4"/>
     <p:sldId id="259" r:id="rId5"/>
+    <p:sldId id="260" r:id="rId6"/>
   </p:sldIdLst>
   <p:sldSz cx="12192000" cy="6858000"/>
   <p:notesSz cx="6858000" cy="9144000"/>
@@ -3160,34 +3161,6 @@
       </p:sp>
       <p:pic>
         <p:nvPicPr>
-          <p:cNvPr id="4" name="Content Placeholder 3"/>
-          <p:cNvPicPr>
-            <a:picLocks noGrp="1" noChangeAspect="1"/>
-          </p:cNvPicPr>
-          <p:nvPr>
-            <p:ph idx="1"/>
-          </p:nvPr>
-        </p:nvPicPr>
-        <p:blipFill rotWithShape="1">
-          <a:blip r:embed="rId2">
-            <a:extLst>
-              <a:ext uri="{28A0092B-C50C-407E-A947-70E740481C1C}">
-                <a14:useLocalDpi xmlns:a14="http://schemas.microsoft.com/office/drawing/2010/main" val="0"/>
-              </a:ext>
-            </a:extLst>
-          </a:blip>
-          <a:srcRect l="12500" r="12500"/>
-          <a:stretch/>
-        </p:blipFill>
-        <p:spPr>
-          <a:xfrm>
-            <a:off x="81575" y="1506447"/>
-            <a:ext cx="3600000" cy="3600000"/>
-          </a:xfrm>
-        </p:spPr>
-      </p:pic>
-      <p:pic>
-        <p:nvPicPr>
           <p:cNvPr id="5" name="Picture 4"/>
           <p:cNvPicPr>
             <a:picLocks noChangeAspect="1"/>
@@ -3195,7 +3168,7 @@
           <p:nvPr/>
         </p:nvPicPr>
         <p:blipFill rotWithShape="1">
-          <a:blip r:embed="rId3">
+          <a:blip r:embed="rId2">
             <a:extLst>
               <a:ext uri="{28A0092B-C50C-407E-A947-70E740481C1C}">
                 <a14:useLocalDpi xmlns:a14="http://schemas.microsoft.com/office/drawing/2010/main" val="0"/>
@@ -3217,27 +3190,55 @@
       </p:pic>
       <p:pic>
         <p:nvPicPr>
-          <p:cNvPr id="6" name="Content Placeholder 3"/>
+          <p:cNvPr id="7" name="Content Placeholder 6"/>
+          <p:cNvPicPr>
+            <a:picLocks noGrp="1" noChangeAspect="1"/>
+          </p:cNvPicPr>
+          <p:nvPr>
+            <p:ph idx="1"/>
+          </p:nvPr>
+        </p:nvPicPr>
+        <p:blipFill rotWithShape="1">
+          <a:blip r:embed="rId3">
+            <a:extLst>
+              <a:ext uri="{28A0092B-C50C-407E-A947-70E740481C1C}">
+                <a14:useLocalDpi xmlns:a14="http://schemas.microsoft.com/office/drawing/2010/main" val="0"/>
+              </a:ext>
+            </a:extLst>
+          </a:blip>
+          <a:srcRect l="19718" t="12860" r="23186" b="11013"/>
+          <a:stretch/>
+        </p:blipFill>
+        <p:spPr>
+          <a:xfrm>
+            <a:off x="566920" y="2025848"/>
+            <a:ext cx="2692800" cy="2692800"/>
+          </a:xfrm>
+        </p:spPr>
+      </p:pic>
+      <p:pic>
+        <p:nvPicPr>
+          <p:cNvPr id="8" name="Content Placeholder 6"/>
           <p:cNvPicPr>
             <a:picLocks noChangeAspect="1"/>
           </p:cNvPicPr>
           <p:nvPr/>
         </p:nvPicPr>
         <p:blipFill rotWithShape="1">
-          <a:blip r:embed="rId2">
+          <a:blip r:embed="rId3">
             <a:extLst>
               <a:ext uri="{28A0092B-C50C-407E-A947-70E740481C1C}">
                 <a14:useLocalDpi xmlns:a14="http://schemas.microsoft.com/office/drawing/2010/main" val="0"/>
               </a:ext>
             </a:extLst>
           </a:blip>
-          <a:srcRect l="12500" r="12500"/>
+          <a:srcRect l="19718" t="12860" r="23186" b="11013"/>
           <a:stretch/>
         </p:blipFill>
         <p:spPr>
           <a:xfrm>
-            <a:off x="7281757" y="1506447"/>
-            <a:ext cx="3600000" cy="3600000"/>
+            <a:off x="7378913" y="2025848"/>
+            <a:ext cx="2692800" cy="2692800"/>
           </a:xfrm>
           <a:prstGeom prst="rect">
             <a:avLst/>
@@ -3460,6 +3461,247 @@
     <p:extLst>
       <p:ext uri="{BB962C8B-B14F-4D97-AF65-F5344CB8AC3E}">
         <p14:creationId xmlns:p14="http://schemas.microsoft.com/office/powerpoint/2010/main" val="3030903875"/>
+      </p:ext>
+    </p:extLst>
+  </p:cSld>
+  <p:clrMapOvr>
+    <a:masterClrMapping/>
+  </p:clrMapOvr>
+</p:sld>
+</file>
+
+<file path=ppt/slides/slide5.xml><?xml version="1.0" encoding="utf-8"?>
+<p:sld xmlns:a="http://schemas.openxmlformats.org/drawingml/2006/main" xmlns:r="http://schemas.openxmlformats.org/officeDocument/2006/relationships" xmlns:p="http://schemas.openxmlformats.org/presentationml/2006/main">
+  <p:cSld>
+    <p:spTree>
+      <p:nvGrpSpPr>
+        <p:cNvPr id="1" name=""/>
+        <p:cNvGrpSpPr/>
+        <p:nvPr/>
+      </p:nvGrpSpPr>
+      <p:grpSpPr>
+        <a:xfrm>
+          <a:off x="0" y="0"/>
+          <a:ext cx="0" cy="0"/>
+          <a:chOff x="0" y="0"/>
+          <a:chExt cx="0" cy="0"/>
+        </a:xfrm>
+      </p:grpSpPr>
+      <p:sp>
+        <p:nvSpPr>
+          <p:cNvPr id="2" name="Title 1"/>
+          <p:cNvSpPr>
+            <a:spLocks noGrp="1"/>
+          </p:cNvSpPr>
+          <p:nvPr>
+            <p:ph type="title"/>
+          </p:nvPr>
+        </p:nvSpPr>
+        <p:spPr/>
+        <p:txBody>
+          <a:bodyPr/>
+          <a:lstStyle/>
+          <a:p>
+            <a:r>
+              <a:rPr lang="en-IN" dirty="0" smtClean="0"/>
+              <a:t>Raccoon: Jumping</a:t>
+            </a:r>
+            <a:endParaRPr lang="en-US" dirty="0"/>
+          </a:p>
+        </p:txBody>
+      </p:sp>
+      <p:pic>
+        <p:nvPicPr>
+          <p:cNvPr id="4" name="Content Placeholder 3"/>
+          <p:cNvPicPr>
+            <a:picLocks noGrp="1" noChangeAspect="1"/>
+          </p:cNvPicPr>
+          <p:nvPr>
+            <p:ph idx="1"/>
+          </p:nvPr>
+        </p:nvPicPr>
+        <p:blipFill rotWithShape="1">
+          <a:blip r:embed="rId2">
+            <a:extLst>
+              <a:ext uri="{28A0092B-C50C-407E-A947-70E740481C1C}">
+                <a14:useLocalDpi xmlns:a14="http://schemas.microsoft.com/office/drawing/2010/main" val="0"/>
+              </a:ext>
+            </a:extLst>
+          </a:blip>
+          <a:srcRect l="20595" t="14887" r="23243" b="10233"/>
+          <a:stretch/>
+        </p:blipFill>
+        <p:spPr>
+          <a:xfrm>
+            <a:off x="539150" y="3526046"/>
+            <a:ext cx="2695756" cy="2695756"/>
+          </a:xfrm>
+        </p:spPr>
+      </p:pic>
+      <p:pic>
+        <p:nvPicPr>
+          <p:cNvPr id="6" name="Content Placeholder 3"/>
+          <p:cNvPicPr>
+            <a:picLocks noChangeAspect="1"/>
+          </p:cNvPicPr>
+          <p:nvPr/>
+        </p:nvPicPr>
+        <p:blipFill rotWithShape="1">
+          <a:blip r:embed="rId2">
+            <a:extLst>
+              <a:ext uri="{28A0092B-C50C-407E-A947-70E740481C1C}">
+                <a14:useLocalDpi xmlns:a14="http://schemas.microsoft.com/office/drawing/2010/main" val="0"/>
+              </a:ext>
+            </a:extLst>
+          </a:blip>
+          <a:srcRect l="12500" r="12500"/>
+          <a:stretch/>
+        </p:blipFill>
+        <p:spPr>
+          <a:xfrm>
+            <a:off x="7920112" y="2938432"/>
+            <a:ext cx="3600000" cy="3600000"/>
+          </a:xfrm>
+          <a:prstGeom prst="rect">
+            <a:avLst/>
+          </a:prstGeom>
+        </p:spPr>
+      </p:pic>
+      <p:grpSp>
+        <p:nvGrpSpPr>
+          <p:cNvPr id="13" name="Group 12"/>
+          <p:cNvGrpSpPr/>
+          <p:nvPr/>
+        </p:nvGrpSpPr>
+        <p:grpSpPr>
+          <a:xfrm>
+            <a:off x="8266017" y="861964"/>
+            <a:ext cx="3254095" cy="1657447"/>
+            <a:chOff x="4408805" y="4165382"/>
+            <a:chExt cx="3254095" cy="1657447"/>
+          </a:xfrm>
+        </p:grpSpPr>
+        <p:pic>
+          <p:nvPicPr>
+            <p:cNvPr id="10" name="Content Placeholder 3"/>
+            <p:cNvPicPr>
+              <a:picLocks noChangeAspect="1"/>
+            </p:cNvPicPr>
+            <p:nvPr/>
+          </p:nvPicPr>
+          <p:blipFill rotWithShape="1">
+            <a:blip r:embed="rId2">
+              <a:extLst>
+                <a:ext uri="{28A0092B-C50C-407E-A947-70E740481C1C}">
+                  <a14:useLocalDpi xmlns:a14="http://schemas.microsoft.com/office/drawing/2010/main" val="0"/>
+                </a:ext>
+              </a:extLst>
+            </a:blip>
+            <a:srcRect l="42245" t="14887" r="23242" b="39536"/>
+            <a:stretch/>
+          </p:blipFill>
+          <p:spPr>
+            <a:xfrm rot="4859599">
+              <a:off x="5783831" y="3942917"/>
+              <a:ext cx="1656603" cy="2101534"/>
+            </a:xfrm>
+            <a:prstGeom prst="rect">
+              <a:avLst/>
+            </a:prstGeom>
+          </p:spPr>
+        </p:pic>
+        <p:pic>
+          <p:nvPicPr>
+            <p:cNvPr id="12" name="Content Placeholder 3"/>
+            <p:cNvPicPr>
+              <a:picLocks noChangeAspect="1"/>
+            </p:cNvPicPr>
+            <p:nvPr/>
+          </p:nvPicPr>
+          <p:blipFill rotWithShape="1">
+            <a:blip r:embed="rId2">
+              <a:extLst>
+                <a:ext uri="{28A0092B-C50C-407E-A947-70E740481C1C}">
+                  <a14:useLocalDpi xmlns:a14="http://schemas.microsoft.com/office/drawing/2010/main" val="0"/>
+                </a:ext>
+              </a:extLst>
+            </a:blip>
+            <a:srcRect l="43824" t="63410" r="23243" b="10233"/>
+            <a:stretch/>
+          </p:blipFill>
+          <p:spPr>
+            <a:xfrm>
+              <a:off x="5404072" y="4873924"/>
+              <a:ext cx="1580792" cy="948905"/>
+            </a:xfrm>
+            <a:prstGeom prst="rect">
+              <a:avLst/>
+            </a:prstGeom>
+          </p:spPr>
+        </p:pic>
+        <p:pic>
+          <p:nvPicPr>
+            <p:cNvPr id="9" name="Content Placeholder 3"/>
+            <p:cNvPicPr>
+              <a:picLocks noChangeAspect="1"/>
+            </p:cNvPicPr>
+            <p:nvPr/>
+          </p:nvPicPr>
+          <p:blipFill rotWithShape="1">
+            <a:blip r:embed="rId2">
+              <a:extLst>
+                <a:ext uri="{28A0092B-C50C-407E-A947-70E740481C1C}">
+                  <a14:useLocalDpi xmlns:a14="http://schemas.microsoft.com/office/drawing/2010/main" val="0"/>
+                </a:ext>
+              </a:extLst>
+            </a:blip>
+            <a:srcRect l="20012" t="31320" r="58603" b="24591"/>
+            <a:stretch/>
+          </p:blipFill>
+          <p:spPr>
+            <a:xfrm rot="17896318">
+              <a:off x="4689163" y="4200055"/>
+              <a:ext cx="1026544" cy="1587260"/>
+            </a:xfrm>
+            <a:prstGeom prst="rect">
+              <a:avLst/>
+            </a:prstGeom>
+          </p:spPr>
+        </p:pic>
+      </p:grpSp>
+      <p:pic>
+        <p:nvPicPr>
+          <p:cNvPr id="14" name="Picture 13"/>
+          <p:cNvPicPr>
+            <a:picLocks noChangeAspect="1"/>
+          </p:cNvPicPr>
+          <p:nvPr/>
+        </p:nvPicPr>
+        <p:blipFill rotWithShape="1">
+          <a:blip r:embed="rId3">
+            <a:extLst>
+              <a:ext uri="{28A0092B-C50C-407E-A947-70E740481C1C}">
+                <a14:useLocalDpi xmlns:a14="http://schemas.microsoft.com/office/drawing/2010/main" val="0"/>
+              </a:ext>
+            </a:extLst>
+          </a:blip>
+          <a:srcRect l="2589" r="5854" b="7288"/>
+          <a:stretch/>
+        </p:blipFill>
+        <p:spPr>
+          <a:xfrm>
+            <a:off x="4080295" y="3427822"/>
+            <a:ext cx="3226280" cy="1825666"/>
+          </a:xfrm>
+          <a:prstGeom prst="rect">
+            <a:avLst/>
+          </a:prstGeom>
+        </p:spPr>
+      </p:pic>
+    </p:spTree>
+    <p:extLst>
+      <p:ext uri="{BB962C8B-B14F-4D97-AF65-F5344CB8AC3E}">
+        <p14:creationId xmlns:p14="http://schemas.microsoft.com/office/powerpoint/2010/main" val="3240682208"/>
       </p:ext>
     </p:extLst>
   </p:cSld>

--- a/Characters.pptx
+++ b/Characters.pptx
@@ -10,6 +10,9 @@
     <p:sldId id="258" r:id="rId4"/>
     <p:sldId id="259" r:id="rId5"/>
     <p:sldId id="260" r:id="rId6"/>
+    <p:sldId id="261" r:id="rId7"/>
+    <p:sldId id="262" r:id="rId8"/>
+    <p:sldId id="263" r:id="rId9"/>
   </p:sldIdLst>
   <p:sldSz cx="12192000" cy="6858000"/>
   <p:notesSz cx="6858000" cy="9144000"/>
@@ -3504,7 +3507,11 @@
           <a:p>
             <a:r>
               <a:rPr lang="en-IN" dirty="0" smtClean="0"/>
-              <a:t>Raccoon: Jumping</a:t>
+              <a:t>Raccoon: </a:t>
+            </a:r>
+            <a:r>
+              <a:rPr lang="en-IN" dirty="0" smtClean="0"/>
+              <a:t>Dodging</a:t>
             </a:r>
             <a:endParaRPr lang="en-US" dirty="0"/>
           </a:p>
@@ -3702,6 +3709,705 @@
     <p:extLst>
       <p:ext uri="{BB962C8B-B14F-4D97-AF65-F5344CB8AC3E}">
         <p14:creationId xmlns:p14="http://schemas.microsoft.com/office/powerpoint/2010/main" val="3240682208"/>
+      </p:ext>
+    </p:extLst>
+  </p:cSld>
+  <p:clrMapOvr>
+    <a:masterClrMapping/>
+  </p:clrMapOvr>
+</p:sld>
+</file>
+
+<file path=ppt/slides/slide6.xml><?xml version="1.0" encoding="utf-8"?>
+<p:sld xmlns:a="http://schemas.openxmlformats.org/drawingml/2006/main" xmlns:r="http://schemas.openxmlformats.org/officeDocument/2006/relationships" xmlns:p="http://schemas.openxmlformats.org/presentationml/2006/main">
+  <p:cSld>
+    <p:spTree>
+      <p:nvGrpSpPr>
+        <p:cNvPr id="1" name=""/>
+        <p:cNvGrpSpPr/>
+        <p:nvPr/>
+      </p:nvGrpSpPr>
+      <p:grpSpPr>
+        <a:xfrm>
+          <a:off x="0" y="0"/>
+          <a:ext cx="0" cy="0"/>
+          <a:chOff x="0" y="0"/>
+          <a:chExt cx="0" cy="0"/>
+        </a:xfrm>
+      </p:grpSpPr>
+      <p:sp>
+        <p:nvSpPr>
+          <p:cNvPr id="2" name="Title 1"/>
+          <p:cNvSpPr>
+            <a:spLocks noGrp="1"/>
+          </p:cNvSpPr>
+          <p:nvPr>
+            <p:ph type="title"/>
+          </p:nvPr>
+        </p:nvSpPr>
+        <p:spPr/>
+        <p:txBody>
+          <a:bodyPr/>
+          <a:lstStyle/>
+          <a:p>
+            <a:r>
+              <a:rPr lang="en-IN" dirty="0" smtClean="0"/>
+              <a:t>City</a:t>
+            </a:r>
+            <a:endParaRPr lang="en-US" dirty="0"/>
+          </a:p>
+        </p:txBody>
+      </p:sp>
+      <p:grpSp>
+        <p:nvGrpSpPr>
+          <p:cNvPr id="24" name="Group 23"/>
+          <p:cNvGrpSpPr/>
+          <p:nvPr/>
+        </p:nvGrpSpPr>
+        <p:grpSpPr>
+          <a:xfrm>
+            <a:off x="0" y="1690688"/>
+            <a:ext cx="6480000" cy="4320000"/>
+            <a:chOff x="0" y="1690688"/>
+            <a:chExt cx="6480000" cy="4320000"/>
+          </a:xfrm>
+        </p:grpSpPr>
+        <p:sp>
+          <p:nvSpPr>
+            <p:cNvPr id="8" name="Rectangle 7"/>
+            <p:cNvSpPr/>
+            <p:nvPr/>
+          </p:nvSpPr>
+          <p:spPr>
+            <a:xfrm>
+              <a:off x="0" y="1690688"/>
+              <a:ext cx="6480000" cy="4320000"/>
+            </a:xfrm>
+            <a:prstGeom prst="rect">
+              <a:avLst/>
+            </a:prstGeom>
+            <a:blipFill dpi="0" rotWithShape="1">
+              <a:blip r:embed="rId2">
+                <a:extLst>
+                  <a:ext uri="{28A0092B-C50C-407E-A947-70E740481C1C}">
+                    <a14:useLocalDpi xmlns:a14="http://schemas.microsoft.com/office/drawing/2010/main" val="0"/>
+                  </a:ext>
+                </a:extLst>
+              </a:blip>
+              <a:srcRect/>
+              <a:stretch>
+                <a:fillRect/>
+              </a:stretch>
+            </a:blipFill>
+          </p:spPr>
+          <p:style>
+            <a:lnRef idx="2">
+              <a:schemeClr val="accent1">
+                <a:shade val="50000"/>
+              </a:schemeClr>
+            </a:lnRef>
+            <a:fillRef idx="1">
+              <a:schemeClr val="accent1"/>
+            </a:fillRef>
+            <a:effectRef idx="0">
+              <a:schemeClr val="accent1"/>
+            </a:effectRef>
+            <a:fontRef idx="minor">
+              <a:schemeClr val="lt1"/>
+            </a:fontRef>
+          </p:style>
+          <p:txBody>
+            <a:bodyPr rtlCol="0" anchor="ctr"/>
+            <a:lstStyle/>
+            <a:p>
+              <a:pPr algn="ctr"/>
+              <a:endParaRPr lang="en-US"/>
+            </a:p>
+          </p:txBody>
+        </p:sp>
+        <p:sp>
+          <p:nvSpPr>
+            <p:cNvPr id="15" name="Rectangle 14"/>
+            <p:cNvSpPr/>
+            <p:nvPr/>
+          </p:nvSpPr>
+          <p:spPr>
+            <a:xfrm>
+              <a:off x="2055012" y="1690688"/>
+              <a:ext cx="2369975" cy="606490"/>
+            </a:xfrm>
+            <a:prstGeom prst="rect">
+              <a:avLst/>
+            </a:prstGeom>
+            <a:ln/>
+            <a:effectLst>
+              <a:softEdge rad="63500"/>
+            </a:effectLst>
+          </p:spPr>
+          <p:style>
+            <a:lnRef idx="3">
+              <a:schemeClr val="lt1"/>
+            </a:lnRef>
+            <a:fillRef idx="1">
+              <a:schemeClr val="accent1"/>
+            </a:fillRef>
+            <a:effectRef idx="1">
+              <a:schemeClr val="accent1"/>
+            </a:effectRef>
+            <a:fontRef idx="minor">
+              <a:schemeClr val="lt1"/>
+            </a:fontRef>
+          </p:style>
+          <p:txBody>
+            <a:bodyPr rtlCol="0" anchor="ctr"/>
+            <a:lstStyle/>
+            <a:p>
+              <a:pPr algn="ctr"/>
+              <a:r>
+                <a:rPr lang="en-IN" b="1" dirty="0" smtClean="0">
+                  <a:latin typeface="Arial Black" panose="020B0A04020102020204" pitchFamily="34" charset="0"/>
+                  <a:ea typeface="Adobe Ming Std L" panose="02020300000000000000" pitchFamily="18" charset="-128"/>
+                </a:rPr>
+                <a:t>COVID RACCOON</a:t>
+              </a:r>
+              <a:endParaRPr lang="en-US" b="1" dirty="0">
+                <a:latin typeface="Arial Black" panose="020B0A04020102020204" pitchFamily="34" charset="0"/>
+                <a:ea typeface="Adobe Ming Std L" panose="02020300000000000000" pitchFamily="18" charset="-128"/>
+              </a:endParaRPr>
+            </a:p>
+          </p:txBody>
+        </p:sp>
+        <p:pic>
+          <p:nvPicPr>
+            <p:cNvPr id="18" name="Picture 17"/>
+            <p:cNvPicPr>
+              <a:picLocks noChangeAspect="1"/>
+            </p:cNvPicPr>
+            <p:nvPr/>
+          </p:nvPicPr>
+          <p:blipFill>
+            <a:blip r:embed="rId3">
+              <a:extLst>
+                <a:ext uri="{28A0092B-C50C-407E-A947-70E740481C1C}">
+                  <a14:useLocalDpi xmlns:a14="http://schemas.microsoft.com/office/drawing/2010/main" val="0"/>
+                </a:ext>
+              </a:extLst>
+            </a:blip>
+            <a:stretch>
+              <a:fillRect/>
+            </a:stretch>
+          </p:blipFill>
+          <p:spPr>
+            <a:xfrm>
+              <a:off x="6120304" y="1789565"/>
+              <a:ext cx="359695" cy="597460"/>
+            </a:xfrm>
+            <a:prstGeom prst="rect">
+              <a:avLst/>
+            </a:prstGeom>
+          </p:spPr>
+        </p:pic>
+        <p:pic>
+          <p:nvPicPr>
+            <p:cNvPr id="22" name="Picture 21"/>
+            <p:cNvPicPr>
+              <a:picLocks noChangeAspect="1"/>
+            </p:cNvPicPr>
+            <p:nvPr/>
+          </p:nvPicPr>
+          <p:blipFill>
+            <a:blip r:embed="rId3">
+              <a:extLst>
+                <a:ext uri="{28A0092B-C50C-407E-A947-70E740481C1C}">
+                  <a14:useLocalDpi xmlns:a14="http://schemas.microsoft.com/office/drawing/2010/main" val="0"/>
+                </a:ext>
+              </a:extLst>
+            </a:blip>
+            <a:stretch>
+              <a:fillRect/>
+            </a:stretch>
+          </p:blipFill>
+          <p:spPr>
+            <a:xfrm>
+              <a:off x="5760608" y="1789565"/>
+              <a:ext cx="359695" cy="597460"/>
+            </a:xfrm>
+            <a:prstGeom prst="rect">
+              <a:avLst/>
+            </a:prstGeom>
+          </p:spPr>
+        </p:pic>
+        <p:pic>
+          <p:nvPicPr>
+            <p:cNvPr id="23" name="Picture 22"/>
+            <p:cNvPicPr>
+              <a:picLocks noChangeAspect="1"/>
+            </p:cNvPicPr>
+            <p:nvPr/>
+          </p:nvPicPr>
+          <p:blipFill>
+            <a:blip r:embed="rId3">
+              <a:extLst>
+                <a:ext uri="{28A0092B-C50C-407E-A947-70E740481C1C}">
+                  <a14:useLocalDpi xmlns:a14="http://schemas.microsoft.com/office/drawing/2010/main" val="0"/>
+                </a:ext>
+              </a:extLst>
+            </a:blip>
+            <a:stretch>
+              <a:fillRect/>
+            </a:stretch>
+          </p:blipFill>
+          <p:spPr>
+            <a:xfrm>
+              <a:off x="5400912" y="1789565"/>
+              <a:ext cx="359695" cy="597460"/>
+            </a:xfrm>
+            <a:prstGeom prst="rect">
+              <a:avLst/>
+            </a:prstGeom>
+          </p:spPr>
+        </p:pic>
+      </p:grpSp>
+    </p:spTree>
+    <p:extLst>
+      <p:ext uri="{BB962C8B-B14F-4D97-AF65-F5344CB8AC3E}">
+        <p14:creationId xmlns:p14="http://schemas.microsoft.com/office/powerpoint/2010/main" val="1389062533"/>
+      </p:ext>
+    </p:extLst>
+  </p:cSld>
+  <p:clrMapOvr>
+    <a:masterClrMapping/>
+  </p:clrMapOvr>
+</p:sld>
+</file>
+
+<file path=ppt/slides/slide7.xml><?xml version="1.0" encoding="utf-8"?>
+<p:sld xmlns:a="http://schemas.openxmlformats.org/drawingml/2006/main" xmlns:r="http://schemas.openxmlformats.org/officeDocument/2006/relationships" xmlns:p="http://schemas.openxmlformats.org/presentationml/2006/main">
+  <p:cSld>
+    <p:spTree>
+      <p:nvGrpSpPr>
+        <p:cNvPr id="1" name=""/>
+        <p:cNvGrpSpPr/>
+        <p:nvPr/>
+      </p:nvGrpSpPr>
+      <p:grpSpPr>
+        <a:xfrm>
+          <a:off x="0" y="0"/>
+          <a:ext cx="0" cy="0"/>
+          <a:chOff x="0" y="0"/>
+          <a:chExt cx="0" cy="0"/>
+        </a:xfrm>
+      </p:grpSpPr>
+      <p:sp>
+        <p:nvSpPr>
+          <p:cNvPr id="2" name="Title 1"/>
+          <p:cNvSpPr>
+            <a:spLocks noGrp="1"/>
+          </p:cNvSpPr>
+          <p:nvPr>
+            <p:ph type="title"/>
+          </p:nvPr>
+        </p:nvSpPr>
+        <p:spPr/>
+        <p:txBody>
+          <a:bodyPr/>
+          <a:lstStyle/>
+          <a:p>
+            <a:r>
+              <a:rPr lang="en-IN" dirty="0" smtClean="0"/>
+              <a:t>City</a:t>
+            </a:r>
+            <a:endParaRPr lang="en-US" dirty="0"/>
+          </a:p>
+        </p:txBody>
+      </p:sp>
+      <p:grpSp>
+        <p:nvGrpSpPr>
+          <p:cNvPr id="3" name="Group 2"/>
+          <p:cNvGrpSpPr/>
+          <p:nvPr/>
+        </p:nvGrpSpPr>
+        <p:grpSpPr>
+          <a:xfrm>
+            <a:off x="0" y="1690688"/>
+            <a:ext cx="6480000" cy="4320000"/>
+            <a:chOff x="0" y="1690688"/>
+            <a:chExt cx="6480000" cy="4320000"/>
+          </a:xfrm>
+        </p:grpSpPr>
+        <p:sp>
+          <p:nvSpPr>
+            <p:cNvPr id="8" name="Rectangle 7"/>
+            <p:cNvSpPr/>
+            <p:nvPr/>
+          </p:nvSpPr>
+          <p:spPr>
+            <a:xfrm>
+              <a:off x="0" y="1690688"/>
+              <a:ext cx="6480000" cy="4320000"/>
+            </a:xfrm>
+            <a:prstGeom prst="rect">
+              <a:avLst/>
+            </a:prstGeom>
+            <a:blipFill dpi="0" rotWithShape="1">
+              <a:blip r:embed="rId2">
+                <a:extLst>
+                  <a:ext uri="{28A0092B-C50C-407E-A947-70E740481C1C}">
+                    <a14:useLocalDpi xmlns:a14="http://schemas.microsoft.com/office/drawing/2010/main" val="0"/>
+                  </a:ext>
+                </a:extLst>
+              </a:blip>
+              <a:srcRect/>
+              <a:stretch>
+                <a:fillRect/>
+              </a:stretch>
+            </a:blipFill>
+          </p:spPr>
+          <p:style>
+            <a:lnRef idx="2">
+              <a:schemeClr val="accent1">
+                <a:shade val="50000"/>
+              </a:schemeClr>
+            </a:lnRef>
+            <a:fillRef idx="1">
+              <a:schemeClr val="accent1"/>
+            </a:fillRef>
+            <a:effectRef idx="0">
+              <a:schemeClr val="accent1"/>
+            </a:effectRef>
+            <a:fontRef idx="minor">
+              <a:schemeClr val="lt1"/>
+            </a:fontRef>
+          </p:style>
+          <p:txBody>
+            <a:bodyPr rtlCol="0" anchor="ctr"/>
+            <a:lstStyle/>
+            <a:p>
+              <a:pPr algn="ctr"/>
+              <a:endParaRPr lang="en-US"/>
+            </a:p>
+          </p:txBody>
+        </p:sp>
+        <p:sp>
+          <p:nvSpPr>
+            <p:cNvPr id="15" name="Rectangle 14"/>
+            <p:cNvSpPr/>
+            <p:nvPr/>
+          </p:nvSpPr>
+          <p:spPr>
+            <a:xfrm>
+              <a:off x="2055012" y="1690688"/>
+              <a:ext cx="2369975" cy="606490"/>
+            </a:xfrm>
+            <a:prstGeom prst="rect">
+              <a:avLst/>
+            </a:prstGeom>
+            <a:ln/>
+            <a:effectLst>
+              <a:softEdge rad="63500"/>
+            </a:effectLst>
+          </p:spPr>
+          <p:style>
+            <a:lnRef idx="3">
+              <a:schemeClr val="lt1"/>
+            </a:lnRef>
+            <a:fillRef idx="1">
+              <a:schemeClr val="accent1"/>
+            </a:fillRef>
+            <a:effectRef idx="1">
+              <a:schemeClr val="accent1"/>
+            </a:effectRef>
+            <a:fontRef idx="minor">
+              <a:schemeClr val="lt1"/>
+            </a:fontRef>
+          </p:style>
+          <p:txBody>
+            <a:bodyPr rtlCol="0" anchor="ctr"/>
+            <a:lstStyle/>
+            <a:p>
+              <a:pPr algn="ctr"/>
+              <a:r>
+                <a:rPr lang="en-IN" b="1" dirty="0" smtClean="0">
+                  <a:latin typeface="Arial Black" panose="020B0A04020102020204" pitchFamily="34" charset="0"/>
+                  <a:ea typeface="Adobe Ming Std L" panose="02020300000000000000" pitchFamily="18" charset="-128"/>
+                </a:rPr>
+                <a:t>COVID RACCOON</a:t>
+              </a:r>
+              <a:endParaRPr lang="en-US" b="1" dirty="0">
+                <a:latin typeface="Arial Black" panose="020B0A04020102020204" pitchFamily="34" charset="0"/>
+                <a:ea typeface="Adobe Ming Std L" panose="02020300000000000000" pitchFamily="18" charset="-128"/>
+              </a:endParaRPr>
+            </a:p>
+          </p:txBody>
+        </p:sp>
+        <p:pic>
+          <p:nvPicPr>
+            <p:cNvPr id="18" name="Picture 17"/>
+            <p:cNvPicPr>
+              <a:picLocks noChangeAspect="1"/>
+            </p:cNvPicPr>
+            <p:nvPr/>
+          </p:nvPicPr>
+          <p:blipFill>
+            <a:blip r:embed="rId3">
+              <a:extLst>
+                <a:ext uri="{28A0092B-C50C-407E-A947-70E740481C1C}">
+                  <a14:useLocalDpi xmlns:a14="http://schemas.microsoft.com/office/drawing/2010/main" val="0"/>
+                </a:ext>
+              </a:extLst>
+            </a:blip>
+            <a:stretch>
+              <a:fillRect/>
+            </a:stretch>
+          </p:blipFill>
+          <p:spPr>
+            <a:xfrm>
+              <a:off x="6120304" y="1789565"/>
+              <a:ext cx="359695" cy="597460"/>
+            </a:xfrm>
+            <a:prstGeom prst="rect">
+              <a:avLst/>
+            </a:prstGeom>
+          </p:spPr>
+        </p:pic>
+        <p:pic>
+          <p:nvPicPr>
+            <p:cNvPr id="22" name="Picture 21"/>
+            <p:cNvPicPr>
+              <a:picLocks noChangeAspect="1"/>
+            </p:cNvPicPr>
+            <p:nvPr/>
+          </p:nvPicPr>
+          <p:blipFill>
+            <a:blip r:embed="rId3">
+              <a:extLst>
+                <a:ext uri="{28A0092B-C50C-407E-A947-70E740481C1C}">
+                  <a14:useLocalDpi xmlns:a14="http://schemas.microsoft.com/office/drawing/2010/main" val="0"/>
+                </a:ext>
+              </a:extLst>
+            </a:blip>
+            <a:stretch>
+              <a:fillRect/>
+            </a:stretch>
+          </p:blipFill>
+          <p:spPr>
+            <a:xfrm>
+              <a:off x="5760608" y="1789565"/>
+              <a:ext cx="359695" cy="597460"/>
+            </a:xfrm>
+            <a:prstGeom prst="rect">
+              <a:avLst/>
+            </a:prstGeom>
+          </p:spPr>
+        </p:pic>
+      </p:grpSp>
+    </p:spTree>
+    <p:extLst>
+      <p:ext uri="{BB962C8B-B14F-4D97-AF65-F5344CB8AC3E}">
+        <p14:creationId xmlns:p14="http://schemas.microsoft.com/office/powerpoint/2010/main" val="1630358068"/>
+      </p:ext>
+    </p:extLst>
+  </p:cSld>
+  <p:clrMapOvr>
+    <a:masterClrMapping/>
+  </p:clrMapOvr>
+</p:sld>
+</file>
+
+<file path=ppt/slides/slide8.xml><?xml version="1.0" encoding="utf-8"?>
+<p:sld xmlns:a="http://schemas.openxmlformats.org/drawingml/2006/main" xmlns:r="http://schemas.openxmlformats.org/officeDocument/2006/relationships" xmlns:p="http://schemas.openxmlformats.org/presentationml/2006/main">
+  <p:cSld>
+    <p:spTree>
+      <p:nvGrpSpPr>
+        <p:cNvPr id="1" name=""/>
+        <p:cNvGrpSpPr/>
+        <p:nvPr/>
+      </p:nvGrpSpPr>
+      <p:grpSpPr>
+        <a:xfrm>
+          <a:off x="0" y="0"/>
+          <a:ext cx="0" cy="0"/>
+          <a:chOff x="0" y="0"/>
+          <a:chExt cx="0" cy="0"/>
+        </a:xfrm>
+      </p:grpSpPr>
+      <p:sp>
+        <p:nvSpPr>
+          <p:cNvPr id="2" name="Title 1"/>
+          <p:cNvSpPr>
+            <a:spLocks noGrp="1"/>
+          </p:cNvSpPr>
+          <p:nvPr>
+            <p:ph type="title"/>
+          </p:nvPr>
+        </p:nvSpPr>
+        <p:spPr/>
+        <p:txBody>
+          <a:bodyPr/>
+          <a:lstStyle/>
+          <a:p>
+            <a:r>
+              <a:rPr lang="en-IN" dirty="0" smtClean="0"/>
+              <a:t>City</a:t>
+            </a:r>
+            <a:endParaRPr lang="en-US" dirty="0"/>
+          </a:p>
+        </p:txBody>
+      </p:sp>
+      <p:grpSp>
+        <p:nvGrpSpPr>
+          <p:cNvPr id="3" name="Group 2"/>
+          <p:cNvGrpSpPr/>
+          <p:nvPr/>
+        </p:nvGrpSpPr>
+        <p:grpSpPr>
+          <a:xfrm>
+            <a:off x="0" y="1690688"/>
+            <a:ext cx="6480000" cy="4320000"/>
+            <a:chOff x="0" y="1690688"/>
+            <a:chExt cx="6480000" cy="4320000"/>
+          </a:xfrm>
+        </p:grpSpPr>
+        <p:sp>
+          <p:nvSpPr>
+            <p:cNvPr id="8" name="Rectangle 7"/>
+            <p:cNvSpPr/>
+            <p:nvPr/>
+          </p:nvSpPr>
+          <p:spPr>
+            <a:xfrm>
+              <a:off x="0" y="1690688"/>
+              <a:ext cx="6480000" cy="4320000"/>
+            </a:xfrm>
+            <a:prstGeom prst="rect">
+              <a:avLst/>
+            </a:prstGeom>
+            <a:blipFill dpi="0" rotWithShape="1">
+              <a:blip r:embed="rId2">
+                <a:extLst>
+                  <a:ext uri="{28A0092B-C50C-407E-A947-70E740481C1C}">
+                    <a14:useLocalDpi xmlns:a14="http://schemas.microsoft.com/office/drawing/2010/main" val="0"/>
+                  </a:ext>
+                </a:extLst>
+              </a:blip>
+              <a:srcRect/>
+              <a:stretch>
+                <a:fillRect/>
+              </a:stretch>
+            </a:blipFill>
+          </p:spPr>
+          <p:style>
+            <a:lnRef idx="2">
+              <a:schemeClr val="accent1">
+                <a:shade val="50000"/>
+              </a:schemeClr>
+            </a:lnRef>
+            <a:fillRef idx="1">
+              <a:schemeClr val="accent1"/>
+            </a:fillRef>
+            <a:effectRef idx="0">
+              <a:schemeClr val="accent1"/>
+            </a:effectRef>
+            <a:fontRef idx="minor">
+              <a:schemeClr val="lt1"/>
+            </a:fontRef>
+          </p:style>
+          <p:txBody>
+            <a:bodyPr rtlCol="0" anchor="ctr"/>
+            <a:lstStyle/>
+            <a:p>
+              <a:pPr algn="ctr"/>
+              <a:endParaRPr lang="en-US"/>
+            </a:p>
+          </p:txBody>
+        </p:sp>
+        <p:sp>
+          <p:nvSpPr>
+            <p:cNvPr id="15" name="Rectangle 14"/>
+            <p:cNvSpPr/>
+            <p:nvPr/>
+          </p:nvSpPr>
+          <p:spPr>
+            <a:xfrm>
+              <a:off x="2055012" y="1690688"/>
+              <a:ext cx="2369975" cy="606490"/>
+            </a:xfrm>
+            <a:prstGeom prst="rect">
+              <a:avLst/>
+            </a:prstGeom>
+            <a:ln/>
+            <a:effectLst>
+              <a:softEdge rad="63500"/>
+            </a:effectLst>
+          </p:spPr>
+          <p:style>
+            <a:lnRef idx="3">
+              <a:schemeClr val="lt1"/>
+            </a:lnRef>
+            <a:fillRef idx="1">
+              <a:schemeClr val="accent1"/>
+            </a:fillRef>
+            <a:effectRef idx="1">
+              <a:schemeClr val="accent1"/>
+            </a:effectRef>
+            <a:fontRef idx="minor">
+              <a:schemeClr val="lt1"/>
+            </a:fontRef>
+          </p:style>
+          <p:txBody>
+            <a:bodyPr rtlCol="0" anchor="ctr"/>
+            <a:lstStyle/>
+            <a:p>
+              <a:pPr algn="ctr"/>
+              <a:r>
+                <a:rPr lang="en-IN" b="1" dirty="0" smtClean="0">
+                  <a:latin typeface="Arial Black" panose="020B0A04020102020204" pitchFamily="34" charset="0"/>
+                  <a:ea typeface="Adobe Ming Std L" panose="02020300000000000000" pitchFamily="18" charset="-128"/>
+                </a:rPr>
+                <a:t>COVID RACCOON</a:t>
+              </a:r>
+              <a:endParaRPr lang="en-US" b="1" dirty="0">
+                <a:latin typeface="Arial Black" panose="020B0A04020102020204" pitchFamily="34" charset="0"/>
+                <a:ea typeface="Adobe Ming Std L" panose="02020300000000000000" pitchFamily="18" charset="-128"/>
+              </a:endParaRPr>
+            </a:p>
+          </p:txBody>
+        </p:sp>
+        <p:pic>
+          <p:nvPicPr>
+            <p:cNvPr id="18" name="Picture 17"/>
+            <p:cNvPicPr>
+              <a:picLocks noChangeAspect="1"/>
+            </p:cNvPicPr>
+            <p:nvPr/>
+          </p:nvPicPr>
+          <p:blipFill>
+            <a:blip r:embed="rId3">
+              <a:extLst>
+                <a:ext uri="{28A0092B-C50C-407E-A947-70E740481C1C}">
+                  <a14:useLocalDpi xmlns:a14="http://schemas.microsoft.com/office/drawing/2010/main" val="0"/>
+                </a:ext>
+              </a:extLst>
+            </a:blip>
+            <a:stretch>
+              <a:fillRect/>
+            </a:stretch>
+          </p:blipFill>
+          <p:spPr>
+            <a:xfrm>
+              <a:off x="6120304" y="1789565"/>
+              <a:ext cx="359695" cy="597460"/>
+            </a:xfrm>
+            <a:prstGeom prst="rect">
+              <a:avLst/>
+            </a:prstGeom>
+          </p:spPr>
+        </p:pic>
+      </p:grpSp>
+    </p:spTree>
+    <p:extLst>
+      <p:ext uri="{BB962C8B-B14F-4D97-AF65-F5344CB8AC3E}">
+        <p14:creationId xmlns:p14="http://schemas.microsoft.com/office/powerpoint/2010/main" val="4287676511"/>
       </p:ext>
     </p:extLst>
   </p:cSld>

--- a/Characters.pptx
+++ b/Characters.pptx
@@ -10,9 +10,10 @@
     <p:sldId id="258" r:id="rId4"/>
     <p:sldId id="259" r:id="rId5"/>
     <p:sldId id="260" r:id="rId6"/>
-    <p:sldId id="261" r:id="rId7"/>
-    <p:sldId id="262" r:id="rId8"/>
-    <p:sldId id="263" r:id="rId9"/>
+    <p:sldId id="264" r:id="rId7"/>
+    <p:sldId id="261" r:id="rId8"/>
+    <p:sldId id="262" r:id="rId9"/>
+    <p:sldId id="263" r:id="rId10"/>
   </p:sldIdLst>
   <p:sldSz cx="12192000" cy="6858000"/>
   <p:notesSz cx="6858000" cy="9144000"/>
@@ -3507,11 +3508,7 @@
           <a:p>
             <a:r>
               <a:rPr lang="en-IN" dirty="0" smtClean="0"/>
-              <a:t>Raccoon: </a:t>
-            </a:r>
-            <a:r>
-              <a:rPr lang="en-IN" dirty="0" smtClean="0"/>
-              <a:t>Dodging</a:t>
+              <a:t>Raccoon: Dodging</a:t>
             </a:r>
             <a:endParaRPr lang="en-US" dirty="0"/>
           </a:p>
@@ -3719,6 +3716,88 @@
 </file>
 
 <file path=ppt/slides/slide6.xml><?xml version="1.0" encoding="utf-8"?>
+<p:sld xmlns:a="http://schemas.openxmlformats.org/drawingml/2006/main" xmlns:r="http://schemas.openxmlformats.org/officeDocument/2006/relationships" xmlns:p="http://schemas.openxmlformats.org/presentationml/2006/main">
+  <p:cSld>
+    <p:spTree>
+      <p:nvGrpSpPr>
+        <p:cNvPr id="1" name=""/>
+        <p:cNvGrpSpPr/>
+        <p:nvPr/>
+      </p:nvGrpSpPr>
+      <p:grpSpPr>
+        <a:xfrm>
+          <a:off x="0" y="0"/>
+          <a:ext cx="0" cy="0"/>
+          <a:chOff x="0" y="0"/>
+          <a:chExt cx="0" cy="0"/>
+        </a:xfrm>
+      </p:grpSpPr>
+      <p:sp>
+        <p:nvSpPr>
+          <p:cNvPr id="2" name="Title 1"/>
+          <p:cNvSpPr>
+            <a:spLocks noGrp="1"/>
+          </p:cNvSpPr>
+          <p:nvPr>
+            <p:ph type="title"/>
+          </p:nvPr>
+        </p:nvSpPr>
+        <p:spPr/>
+        <p:txBody>
+          <a:bodyPr/>
+          <a:lstStyle/>
+          <a:p>
+            <a:r>
+              <a:rPr lang="en-IN" dirty="0" smtClean="0"/>
+              <a:t>Raccoon: Dodging</a:t>
+            </a:r>
+            <a:endParaRPr lang="en-US" dirty="0"/>
+          </a:p>
+        </p:txBody>
+      </p:sp>
+      <p:pic>
+        <p:nvPicPr>
+          <p:cNvPr id="7" name="Picture 6"/>
+          <p:cNvPicPr>
+            <a:picLocks noChangeAspect="1"/>
+          </p:cNvPicPr>
+          <p:nvPr/>
+        </p:nvPicPr>
+        <p:blipFill rotWithShape="1">
+          <a:blip r:embed="rId2" cstate="print">
+            <a:extLst>
+              <a:ext uri="{28A0092B-C50C-407E-A947-70E740481C1C}">
+                <a14:useLocalDpi xmlns:a14="http://schemas.microsoft.com/office/drawing/2010/main" val="0"/>
+              </a:ext>
+            </a:extLst>
+          </a:blip>
+          <a:srcRect l="6226" t="7734" r="17694" b="14868"/>
+          <a:stretch/>
+        </p:blipFill>
+        <p:spPr>
+          <a:xfrm>
+            <a:off x="4267200" y="2932981"/>
+            <a:ext cx="1670560" cy="1207698"/>
+          </a:xfrm>
+          <a:prstGeom prst="rect">
+            <a:avLst/>
+          </a:prstGeom>
+        </p:spPr>
+      </p:pic>
+    </p:spTree>
+    <p:extLst>
+      <p:ext uri="{BB962C8B-B14F-4D97-AF65-F5344CB8AC3E}">
+        <p14:creationId xmlns:p14="http://schemas.microsoft.com/office/powerpoint/2010/main" val="703435940"/>
+      </p:ext>
+    </p:extLst>
+  </p:cSld>
+  <p:clrMapOvr>
+    <a:masterClrMapping/>
+  </p:clrMapOvr>
+</p:sld>
+</file>
+
+<file path=ppt/slides/slide7.xml><?xml version="1.0" encoding="utf-8"?>
 <p:sld xmlns:a="http://schemas.openxmlformats.org/drawingml/2006/main" xmlns:r="http://schemas.openxmlformats.org/officeDocument/2006/relationships" xmlns:p="http://schemas.openxmlformats.org/presentationml/2006/main">
   <p:cSld>
     <p:spTree>
@@ -3981,7 +4060,7 @@
 </p:sld>
 </file>
 
-<file path=ppt/slides/slide7.xml><?xml version="1.0" encoding="utf-8"?>
+<file path=ppt/slides/slide8.xml><?xml version="1.0" encoding="utf-8"?>
 <p:sld xmlns:a="http://schemas.openxmlformats.org/drawingml/2006/main" xmlns:r="http://schemas.openxmlformats.org/officeDocument/2006/relationships" xmlns:p="http://schemas.openxmlformats.org/presentationml/2006/main">
   <p:cSld>
     <p:spTree>
@@ -4214,7 +4293,7 @@
 </p:sld>
 </file>
 
-<file path=ppt/slides/slide8.xml><?xml version="1.0" encoding="utf-8"?>
+<file path=ppt/slides/slide9.xml><?xml version="1.0" encoding="utf-8"?>
 <p:sld xmlns:a="http://schemas.openxmlformats.org/drawingml/2006/main" xmlns:r="http://schemas.openxmlformats.org/officeDocument/2006/relationships" xmlns:p="http://schemas.openxmlformats.org/presentationml/2006/main">
   <p:cSld>
     <p:spTree>

--- a/Characters.pptx
+++ b/Characters.pptx
@@ -12,8 +12,11 @@
     <p:sldId id="260" r:id="rId6"/>
     <p:sldId id="264" r:id="rId7"/>
     <p:sldId id="261" r:id="rId8"/>
-    <p:sldId id="262" r:id="rId9"/>
-    <p:sldId id="263" r:id="rId10"/>
+    <p:sldId id="265" r:id="rId9"/>
+    <p:sldId id="262" r:id="rId10"/>
+    <p:sldId id="263" r:id="rId11"/>
+    <p:sldId id="266" r:id="rId12"/>
+    <p:sldId id="267" r:id="rId13"/>
   </p:sldIdLst>
   <p:sldSz cx="12192000" cy="6858000"/>
   <p:notesSz cx="6858000" cy="9144000"/>
@@ -3036,6 +3039,1018 @@
 </p:sld>
 </file>
 
+<file path=ppt/slides/slide10.xml><?xml version="1.0" encoding="utf-8"?>
+<p:sld xmlns:a="http://schemas.openxmlformats.org/drawingml/2006/main" xmlns:r="http://schemas.openxmlformats.org/officeDocument/2006/relationships" xmlns:p="http://schemas.openxmlformats.org/presentationml/2006/main">
+  <p:cSld>
+    <p:spTree>
+      <p:nvGrpSpPr>
+        <p:cNvPr id="1" name=""/>
+        <p:cNvGrpSpPr/>
+        <p:nvPr/>
+      </p:nvGrpSpPr>
+      <p:grpSpPr>
+        <a:xfrm>
+          <a:off x="0" y="0"/>
+          <a:ext cx="0" cy="0"/>
+          <a:chOff x="0" y="0"/>
+          <a:chExt cx="0" cy="0"/>
+        </a:xfrm>
+      </p:grpSpPr>
+      <p:sp>
+        <p:nvSpPr>
+          <p:cNvPr id="2" name="Title 1"/>
+          <p:cNvSpPr>
+            <a:spLocks noGrp="1"/>
+          </p:cNvSpPr>
+          <p:nvPr>
+            <p:ph type="title"/>
+          </p:nvPr>
+        </p:nvSpPr>
+        <p:spPr/>
+        <p:txBody>
+          <a:bodyPr/>
+          <a:lstStyle/>
+          <a:p>
+            <a:r>
+              <a:rPr lang="en-IN" dirty="0" smtClean="0"/>
+              <a:t>City</a:t>
+            </a:r>
+            <a:endParaRPr lang="en-US" dirty="0"/>
+          </a:p>
+        </p:txBody>
+      </p:sp>
+      <p:grpSp>
+        <p:nvGrpSpPr>
+          <p:cNvPr id="3" name="Group 2"/>
+          <p:cNvGrpSpPr/>
+          <p:nvPr/>
+        </p:nvGrpSpPr>
+        <p:grpSpPr>
+          <a:xfrm>
+            <a:off x="0" y="1690688"/>
+            <a:ext cx="6480000" cy="4320000"/>
+            <a:chOff x="0" y="1690688"/>
+            <a:chExt cx="6480000" cy="4320000"/>
+          </a:xfrm>
+        </p:grpSpPr>
+        <p:sp>
+          <p:nvSpPr>
+            <p:cNvPr id="8" name="Rectangle 7"/>
+            <p:cNvSpPr/>
+            <p:nvPr/>
+          </p:nvSpPr>
+          <p:spPr>
+            <a:xfrm>
+              <a:off x="0" y="1690688"/>
+              <a:ext cx="6480000" cy="4320000"/>
+            </a:xfrm>
+            <a:prstGeom prst="rect">
+              <a:avLst/>
+            </a:prstGeom>
+            <a:blipFill dpi="0" rotWithShape="1">
+              <a:blip r:embed="rId2">
+                <a:extLst>
+                  <a:ext uri="{28A0092B-C50C-407E-A947-70E740481C1C}">
+                    <a14:useLocalDpi xmlns:a14="http://schemas.microsoft.com/office/drawing/2010/main" val="0"/>
+                  </a:ext>
+                </a:extLst>
+              </a:blip>
+              <a:srcRect/>
+              <a:stretch>
+                <a:fillRect/>
+              </a:stretch>
+            </a:blipFill>
+          </p:spPr>
+          <p:style>
+            <a:lnRef idx="2">
+              <a:schemeClr val="accent1">
+                <a:shade val="50000"/>
+              </a:schemeClr>
+            </a:lnRef>
+            <a:fillRef idx="1">
+              <a:schemeClr val="accent1"/>
+            </a:fillRef>
+            <a:effectRef idx="0">
+              <a:schemeClr val="accent1"/>
+            </a:effectRef>
+            <a:fontRef idx="minor">
+              <a:schemeClr val="lt1"/>
+            </a:fontRef>
+          </p:style>
+          <p:txBody>
+            <a:bodyPr rtlCol="0" anchor="ctr"/>
+            <a:lstStyle/>
+            <a:p>
+              <a:pPr algn="ctr"/>
+              <a:endParaRPr lang="en-US"/>
+            </a:p>
+          </p:txBody>
+        </p:sp>
+        <p:pic>
+          <p:nvPicPr>
+            <p:cNvPr id="18" name="Picture 17"/>
+            <p:cNvPicPr>
+              <a:picLocks noChangeAspect="1"/>
+            </p:cNvPicPr>
+            <p:nvPr/>
+          </p:nvPicPr>
+          <p:blipFill>
+            <a:blip r:embed="rId3">
+              <a:extLst>
+                <a:ext uri="{28A0092B-C50C-407E-A947-70E740481C1C}">
+                  <a14:useLocalDpi xmlns:a14="http://schemas.microsoft.com/office/drawing/2010/main" val="0"/>
+                </a:ext>
+              </a:extLst>
+            </a:blip>
+            <a:stretch>
+              <a:fillRect/>
+            </a:stretch>
+          </p:blipFill>
+          <p:spPr>
+            <a:xfrm>
+              <a:off x="6120304" y="1789565"/>
+              <a:ext cx="359695" cy="597460"/>
+            </a:xfrm>
+            <a:prstGeom prst="rect">
+              <a:avLst/>
+            </a:prstGeom>
+          </p:spPr>
+        </p:pic>
+      </p:grpSp>
+      <p:sp>
+        <p:nvSpPr>
+          <p:cNvPr id="7" name="Rectangle 6"/>
+          <p:cNvSpPr/>
+          <p:nvPr/>
+        </p:nvSpPr>
+        <p:spPr>
+          <a:xfrm>
+            <a:off x="0" y="1690688"/>
+            <a:ext cx="5149970" cy="606490"/>
+          </a:xfrm>
+          <a:prstGeom prst="rect">
+            <a:avLst/>
+          </a:prstGeom>
+          <a:ln/>
+          <a:effectLst>
+            <a:softEdge rad="63500"/>
+          </a:effectLst>
+        </p:spPr>
+        <p:style>
+          <a:lnRef idx="3">
+            <a:schemeClr val="lt1"/>
+          </a:lnRef>
+          <a:fillRef idx="1">
+            <a:schemeClr val="accent1"/>
+          </a:fillRef>
+          <a:effectRef idx="1">
+            <a:schemeClr val="accent1"/>
+          </a:effectRef>
+          <a:fontRef idx="minor">
+            <a:schemeClr val="lt1"/>
+          </a:fontRef>
+        </p:style>
+        <p:txBody>
+          <a:bodyPr rtlCol="0" anchor="ctr"/>
+          <a:lstStyle/>
+          <a:p>
+            <a:pPr algn="ctr"/>
+            <a:r>
+              <a:rPr lang="en-IN" b="1" dirty="0" smtClean="0">
+                <a:latin typeface="Arial Black" panose="020B0A04020102020204" pitchFamily="34" charset="0"/>
+                <a:ea typeface="Adobe Ming Std L" panose="02020300000000000000" pitchFamily="18" charset="-128"/>
+              </a:rPr>
+              <a:t>COVID </a:t>
+            </a:r>
+            <a:r>
+              <a:rPr lang="en-IN" b="1" dirty="0" smtClean="0">
+                <a:latin typeface="Arial Black" panose="020B0A04020102020204" pitchFamily="34" charset="0"/>
+                <a:ea typeface="Adobe Ming Std L" panose="02020300000000000000" pitchFamily="18" charset="-128"/>
+              </a:rPr>
+              <a:t>RACCOON: SAVE THE CITY</a:t>
+            </a:r>
+            <a:endParaRPr lang="en-US" b="1" dirty="0">
+              <a:latin typeface="Arial Black" panose="020B0A04020102020204" pitchFamily="34" charset="0"/>
+              <a:ea typeface="Adobe Ming Std L" panose="02020300000000000000" pitchFamily="18" charset="-128"/>
+            </a:endParaRPr>
+          </a:p>
+        </p:txBody>
+      </p:sp>
+    </p:spTree>
+    <p:extLst>
+      <p:ext uri="{BB962C8B-B14F-4D97-AF65-F5344CB8AC3E}">
+        <p14:creationId xmlns:p14="http://schemas.microsoft.com/office/powerpoint/2010/main" val="4287676511"/>
+      </p:ext>
+    </p:extLst>
+  </p:cSld>
+  <p:clrMapOvr>
+    <a:masterClrMapping/>
+  </p:clrMapOvr>
+</p:sld>
+</file>
+
+<file path=ppt/slides/slide11.xml><?xml version="1.0" encoding="utf-8"?>
+<p:sld xmlns:a="http://schemas.openxmlformats.org/drawingml/2006/main" xmlns:r="http://schemas.openxmlformats.org/officeDocument/2006/relationships" xmlns:p="http://schemas.openxmlformats.org/presentationml/2006/main">
+  <p:cSld>
+    <p:spTree>
+      <p:nvGrpSpPr>
+        <p:cNvPr id="1" name=""/>
+        <p:cNvGrpSpPr/>
+        <p:nvPr/>
+      </p:nvGrpSpPr>
+      <p:grpSpPr>
+        <a:xfrm>
+          <a:off x="0" y="0"/>
+          <a:ext cx="0" cy="0"/>
+          <a:chOff x="0" y="0"/>
+          <a:chExt cx="0" cy="0"/>
+        </a:xfrm>
+      </p:grpSpPr>
+      <p:sp>
+        <p:nvSpPr>
+          <p:cNvPr id="2" name="Title 1"/>
+          <p:cNvSpPr>
+            <a:spLocks noGrp="1"/>
+          </p:cNvSpPr>
+          <p:nvPr>
+            <p:ph type="title"/>
+          </p:nvPr>
+        </p:nvSpPr>
+        <p:spPr/>
+        <p:txBody>
+          <a:bodyPr/>
+          <a:lstStyle/>
+          <a:p>
+            <a:r>
+              <a:rPr lang="en-IN" dirty="0" smtClean="0"/>
+              <a:t>City</a:t>
+            </a:r>
+            <a:endParaRPr lang="en-US" dirty="0"/>
+          </a:p>
+        </p:txBody>
+      </p:sp>
+      <p:grpSp>
+        <p:nvGrpSpPr>
+          <p:cNvPr id="5" name="Group 4"/>
+          <p:cNvGrpSpPr/>
+          <p:nvPr/>
+        </p:nvGrpSpPr>
+        <p:grpSpPr>
+          <a:xfrm>
+            <a:off x="2794958" y="2018492"/>
+            <a:ext cx="6604160" cy="4320000"/>
+            <a:chOff x="2794958" y="2018492"/>
+            <a:chExt cx="6604160" cy="4320000"/>
+          </a:xfrm>
+        </p:grpSpPr>
+        <p:grpSp>
+          <p:nvGrpSpPr>
+            <p:cNvPr id="24" name="Group 23"/>
+            <p:cNvGrpSpPr/>
+            <p:nvPr/>
+          </p:nvGrpSpPr>
+          <p:grpSpPr>
+            <a:xfrm>
+              <a:off x="2794958" y="2018492"/>
+              <a:ext cx="6480000" cy="4320000"/>
+              <a:chOff x="0" y="1690688"/>
+              <a:chExt cx="6480000" cy="4320000"/>
+            </a:xfrm>
+          </p:grpSpPr>
+          <p:sp>
+            <p:nvSpPr>
+              <p:cNvPr id="8" name="Rectangle 7"/>
+              <p:cNvSpPr/>
+              <p:nvPr/>
+            </p:nvSpPr>
+            <p:spPr>
+              <a:xfrm>
+                <a:off x="0" y="1690688"/>
+                <a:ext cx="6480000" cy="4320000"/>
+              </a:xfrm>
+              <a:prstGeom prst="rect">
+                <a:avLst/>
+              </a:prstGeom>
+              <a:blipFill dpi="0" rotWithShape="1">
+                <a:blip r:embed="rId2">
+                  <a:extLst>
+                    <a:ext uri="{28A0092B-C50C-407E-A947-70E740481C1C}">
+                      <a14:useLocalDpi xmlns:a14="http://schemas.microsoft.com/office/drawing/2010/main" val="0"/>
+                    </a:ext>
+                  </a:extLst>
+                </a:blip>
+                <a:srcRect/>
+                <a:stretch>
+                  <a:fillRect/>
+                </a:stretch>
+              </a:blipFill>
+            </p:spPr>
+            <p:style>
+              <a:lnRef idx="2">
+                <a:schemeClr val="accent1">
+                  <a:shade val="50000"/>
+                </a:schemeClr>
+              </a:lnRef>
+              <a:fillRef idx="1">
+                <a:schemeClr val="accent1"/>
+              </a:fillRef>
+              <a:effectRef idx="0">
+                <a:schemeClr val="accent1"/>
+              </a:effectRef>
+              <a:fontRef idx="minor">
+                <a:schemeClr val="lt1"/>
+              </a:fontRef>
+            </p:style>
+            <p:txBody>
+              <a:bodyPr rtlCol="0" anchor="ctr"/>
+              <a:lstStyle/>
+              <a:p>
+                <a:pPr algn="ctr"/>
+                <a:endParaRPr lang="en-US"/>
+              </a:p>
+            </p:txBody>
+          </p:sp>
+          <p:sp>
+            <p:nvSpPr>
+              <p:cNvPr id="15" name="Rectangle 14"/>
+              <p:cNvSpPr/>
+              <p:nvPr/>
+            </p:nvSpPr>
+            <p:spPr>
+              <a:xfrm>
+                <a:off x="2055012" y="1690688"/>
+                <a:ext cx="2369975" cy="606490"/>
+              </a:xfrm>
+              <a:prstGeom prst="rect">
+                <a:avLst/>
+              </a:prstGeom>
+              <a:ln/>
+              <a:effectLst>
+                <a:softEdge rad="63500"/>
+              </a:effectLst>
+            </p:spPr>
+            <p:style>
+              <a:lnRef idx="3">
+                <a:schemeClr val="lt1"/>
+              </a:lnRef>
+              <a:fillRef idx="1">
+                <a:schemeClr val="accent1"/>
+              </a:fillRef>
+              <a:effectRef idx="1">
+                <a:schemeClr val="accent1"/>
+              </a:effectRef>
+              <a:fontRef idx="minor">
+                <a:schemeClr val="lt1"/>
+              </a:fontRef>
+            </p:style>
+            <p:txBody>
+              <a:bodyPr rtlCol="0" anchor="ctr"/>
+              <a:lstStyle/>
+              <a:p>
+                <a:pPr algn="ctr"/>
+                <a:r>
+                  <a:rPr lang="en-IN" b="1" dirty="0" smtClean="0">
+                    <a:latin typeface="Arial Black" panose="020B0A04020102020204" pitchFamily="34" charset="0"/>
+                    <a:ea typeface="Adobe Ming Std L" panose="02020300000000000000" pitchFamily="18" charset="-128"/>
+                  </a:rPr>
+                  <a:t>COVID RACCOON</a:t>
+                </a:r>
+                <a:endParaRPr lang="en-US" b="1" dirty="0">
+                  <a:latin typeface="Arial Black" panose="020B0A04020102020204" pitchFamily="34" charset="0"/>
+                  <a:ea typeface="Adobe Ming Std L" panose="02020300000000000000" pitchFamily="18" charset="-128"/>
+                </a:endParaRPr>
+              </a:p>
+            </p:txBody>
+          </p:sp>
+        </p:grpSp>
+        <p:sp>
+          <p:nvSpPr>
+            <p:cNvPr id="3" name="Rectangle 2"/>
+            <p:cNvSpPr/>
+            <p:nvPr/>
+          </p:nvSpPr>
+          <p:spPr>
+            <a:xfrm>
+              <a:off x="2899255" y="5417388"/>
+              <a:ext cx="6271404" cy="845389"/>
+            </a:xfrm>
+            <a:prstGeom prst="rect">
+              <a:avLst/>
+            </a:prstGeom>
+            <a:effectLst>
+              <a:outerShdw blurRad="57150" dist="19050" dir="5400000" algn="ctr" rotWithShape="0">
+                <a:srgbClr val="000000">
+                  <a:alpha val="63000"/>
+                </a:srgbClr>
+              </a:outerShdw>
+              <a:softEdge rad="127000"/>
+            </a:effectLst>
+          </p:spPr>
+          <p:style>
+            <a:lnRef idx="0">
+              <a:schemeClr val="accent1"/>
+            </a:lnRef>
+            <a:fillRef idx="3">
+              <a:schemeClr val="accent1"/>
+            </a:fillRef>
+            <a:effectRef idx="3">
+              <a:schemeClr val="accent1"/>
+            </a:effectRef>
+            <a:fontRef idx="minor">
+              <a:schemeClr val="lt1"/>
+            </a:fontRef>
+          </p:style>
+          <p:txBody>
+            <a:bodyPr rtlCol="0" anchor="ctr"/>
+            <a:lstStyle/>
+            <a:p>
+              <a:pPr algn="ctr"/>
+              <a:r>
+                <a:rPr lang="en-IN" sz="1600" b="1" dirty="0" smtClean="0">
+                  <a:latin typeface="Arial Black" panose="020B0A04020102020204" pitchFamily="34" charset="0"/>
+                  <a:ea typeface="Adobe Ming Std L" panose="02020300000000000000" pitchFamily="18" charset="-128"/>
+                </a:rPr>
+                <a:t>You failed to save the city! </a:t>
+              </a:r>
+              <a:r>
+                <a:rPr lang="en-IN" sz="1600" b="1" dirty="0" smtClean="0">
+                  <a:latin typeface="Arial Black" panose="020B0A04020102020204" pitchFamily="34" charset="0"/>
+                  <a:ea typeface="Adobe Ming Std L" panose="02020300000000000000" pitchFamily="18" charset="-128"/>
+                  <a:sym typeface="Wingdings" panose="05000000000000000000" pitchFamily="2" charset="2"/>
+                </a:rPr>
+                <a:t> Return back to the Forrest or Press Space-Bar to give it another try!</a:t>
+              </a:r>
+              <a:endParaRPr lang="en-US" sz="1600" dirty="0"/>
+            </a:p>
+          </p:txBody>
+        </p:sp>
+        <p:pic>
+          <p:nvPicPr>
+            <p:cNvPr id="1026" name="Picture 2" descr="Raccoon | National Wildlife Federation"/>
+            <p:cNvPicPr>
+              <a:picLocks noChangeAspect="1" noChangeArrowheads="1"/>
+            </p:cNvPicPr>
+            <p:nvPr/>
+          </p:nvPicPr>
+          <p:blipFill>
+            <a:blip r:embed="rId3">
+              <a:extLst>
+                <a:ext uri="{28A0092B-C50C-407E-A947-70E740481C1C}">
+                  <a14:useLocalDpi xmlns:a14="http://schemas.microsoft.com/office/drawing/2010/main" val="0"/>
+                </a:ext>
+              </a:extLst>
+            </a:blip>
+            <a:srcRect/>
+            <a:stretch>
+              <a:fillRect/>
+            </a:stretch>
+          </p:blipFill>
+          <p:spPr bwMode="auto">
+            <a:xfrm>
+              <a:off x="4157933" y="3129430"/>
+              <a:ext cx="3567020" cy="1783510"/>
+            </a:xfrm>
+            <a:prstGeom prst="rect">
+              <a:avLst/>
+            </a:prstGeom>
+            <a:noFill/>
+            <a:extLst>
+              <a:ext uri="{909E8E84-426E-40DD-AFC4-6F175D3DCCD1}">
+                <a14:hiddenFill xmlns:a14="http://schemas.microsoft.com/office/drawing/2010/main">
+                  <a:solidFill>
+                    <a:srgbClr val="FFFFFF"/>
+                  </a:solidFill>
+                </a14:hiddenFill>
+              </a:ext>
+            </a:extLst>
+          </p:spPr>
+        </p:pic>
+        <p:pic>
+          <p:nvPicPr>
+            <p:cNvPr id="9" name="Picture 8"/>
+            <p:cNvPicPr>
+              <a:picLocks noChangeAspect="1"/>
+            </p:cNvPicPr>
+            <p:nvPr/>
+          </p:nvPicPr>
+          <p:blipFill rotWithShape="1">
+            <a:blip r:embed="rId4" cstate="print">
+              <a:extLst>
+                <a:ext uri="{28A0092B-C50C-407E-A947-70E740481C1C}">
+                  <a14:useLocalDpi xmlns:a14="http://schemas.microsoft.com/office/drawing/2010/main" val="0"/>
+                </a:ext>
+              </a:extLst>
+            </a:blip>
+            <a:srcRect l="2539" r="2539"/>
+            <a:stretch/>
+          </p:blipFill>
+          <p:spPr>
+            <a:xfrm>
+              <a:off x="7004973" y="2374611"/>
+              <a:ext cx="1383986" cy="922657"/>
+            </a:xfrm>
+            <a:prstGeom prst="rect">
+              <a:avLst/>
+            </a:prstGeom>
+          </p:spPr>
+        </p:pic>
+        <p:pic>
+          <p:nvPicPr>
+            <p:cNvPr id="10" name="Picture 9"/>
+            <p:cNvPicPr>
+              <a:picLocks noChangeAspect="1"/>
+            </p:cNvPicPr>
+            <p:nvPr/>
+          </p:nvPicPr>
+          <p:blipFill rotWithShape="1">
+            <a:blip r:embed="rId5" cstate="print">
+              <a:extLst>
+                <a:ext uri="{28A0092B-C50C-407E-A947-70E740481C1C}">
+                  <a14:useLocalDpi xmlns:a14="http://schemas.microsoft.com/office/drawing/2010/main" val="0"/>
+                </a:ext>
+              </a:extLst>
+            </a:blip>
+            <a:srcRect t="15699" b="25375"/>
+            <a:stretch/>
+          </p:blipFill>
+          <p:spPr>
+            <a:xfrm>
+              <a:off x="2970024" y="2801626"/>
+              <a:ext cx="1642713" cy="784958"/>
+            </a:xfrm>
+            <a:prstGeom prst="rect">
+              <a:avLst/>
+            </a:prstGeom>
+          </p:spPr>
+        </p:pic>
+        <p:pic>
+          <p:nvPicPr>
+            <p:cNvPr id="11" name="Picture 10"/>
+            <p:cNvPicPr>
+              <a:picLocks noChangeAspect="1"/>
+            </p:cNvPicPr>
+            <p:nvPr/>
+          </p:nvPicPr>
+          <p:blipFill rotWithShape="1">
+            <a:blip r:embed="rId6" cstate="print">
+              <a:extLst>
+                <a:ext uri="{28A0092B-C50C-407E-A947-70E740481C1C}">
+                  <a14:useLocalDpi xmlns:a14="http://schemas.microsoft.com/office/drawing/2010/main" val="0"/>
+                </a:ext>
+              </a:extLst>
+            </a:blip>
+            <a:srcRect l="36264" r="36264"/>
+            <a:stretch/>
+          </p:blipFill>
+          <p:spPr>
+            <a:xfrm>
+              <a:off x="3102595" y="4344708"/>
+              <a:ext cx="1055338" cy="1055338"/>
+            </a:xfrm>
+            <a:prstGeom prst="rect">
+              <a:avLst/>
+            </a:prstGeom>
+          </p:spPr>
+        </p:pic>
+        <p:grpSp>
+          <p:nvGrpSpPr>
+            <p:cNvPr id="4" name="Group 3"/>
+            <p:cNvGrpSpPr/>
+            <p:nvPr/>
+          </p:nvGrpSpPr>
+          <p:grpSpPr>
+            <a:xfrm>
+              <a:off x="7696966" y="3625161"/>
+              <a:ext cx="1702152" cy="1628325"/>
+              <a:chOff x="1746733" y="2159511"/>
+              <a:chExt cx="1702152" cy="1628325"/>
+            </a:xfrm>
+          </p:grpSpPr>
+          <p:pic>
+            <p:nvPicPr>
+              <p:cNvPr id="12" name="Picture 11"/>
+              <p:cNvPicPr>
+                <a:picLocks noChangeAspect="1"/>
+              </p:cNvPicPr>
+              <p:nvPr/>
+            </p:nvPicPr>
+            <p:blipFill>
+              <a:blip r:embed="rId7">
+                <a:extLst>
+                  <a:ext uri="{28A0092B-C50C-407E-A947-70E740481C1C}">
+                    <a14:useLocalDpi xmlns:a14="http://schemas.microsoft.com/office/drawing/2010/main" val="0"/>
+                  </a:ext>
+                </a:extLst>
+              </a:blip>
+              <a:stretch>
+                <a:fillRect/>
+              </a:stretch>
+            </p:blipFill>
+            <p:spPr>
+              <a:xfrm>
+                <a:off x="1746733" y="2306332"/>
+                <a:ext cx="1702152" cy="1481504"/>
+              </a:xfrm>
+              <a:prstGeom prst="rect">
+                <a:avLst/>
+              </a:prstGeom>
+            </p:spPr>
+          </p:pic>
+          <p:pic>
+            <p:nvPicPr>
+              <p:cNvPr id="13" name="Picture 4" descr="Person, Common Cold, Influenza, Perspiration, Cartoon, Flu Season ..."/>
+              <p:cNvPicPr>
+                <a:picLocks noChangeAspect="1" noChangeArrowheads="1"/>
+              </p:cNvPicPr>
+              <p:nvPr/>
+            </p:nvPicPr>
+            <p:blipFill rotWithShape="1">
+              <a:blip r:embed="rId8" cstate="print">
+                <a:extLst>
+                  <a:ext uri="{28A0092B-C50C-407E-A947-70E740481C1C}">
+                    <a14:useLocalDpi xmlns:a14="http://schemas.microsoft.com/office/drawing/2010/main" val="0"/>
+                  </a:ext>
+                </a:extLst>
+              </a:blip>
+              <a:srcRect l="27502" r="28672" b="40308"/>
+              <a:stretch/>
+            </p:blipFill>
+            <p:spPr bwMode="auto">
+              <a:xfrm>
+                <a:off x="1912673" y="2159511"/>
+                <a:ext cx="1334277" cy="1187168"/>
+              </a:xfrm>
+              <a:prstGeom prst="rect">
+                <a:avLst/>
+              </a:prstGeom>
+              <a:noFill/>
+              <a:extLst>
+                <a:ext uri="{909E8E84-426E-40DD-AFC4-6F175D3DCCD1}">
+                  <a14:hiddenFill xmlns:a14="http://schemas.microsoft.com/office/drawing/2010/main">
+                    <a:solidFill>
+                      <a:srgbClr val="FFFFFF"/>
+                    </a:solidFill>
+                  </a14:hiddenFill>
+                </a:ext>
+              </a:extLst>
+            </p:spPr>
+          </p:pic>
+        </p:grpSp>
+      </p:grpSp>
+      <p:pic>
+        <p:nvPicPr>
+          <p:cNvPr id="6" name="Picture 5"/>
+          <p:cNvPicPr>
+            <a:picLocks noChangeAspect="1"/>
+          </p:cNvPicPr>
+          <p:nvPr/>
+        </p:nvPicPr>
+        <p:blipFill rotWithShape="1">
+          <a:blip r:embed="rId9">
+            <a:extLst>
+              <a:ext uri="{28A0092B-C50C-407E-A947-70E740481C1C}">
+                <a14:useLocalDpi xmlns:a14="http://schemas.microsoft.com/office/drawing/2010/main" val="0"/>
+              </a:ext>
+            </a:extLst>
+          </a:blip>
+          <a:srcRect r="1834"/>
+          <a:stretch/>
+        </p:blipFill>
+        <p:spPr>
+          <a:xfrm>
+            <a:off x="5542403" y="990216"/>
+            <a:ext cx="6493390" cy="4334632"/>
+          </a:xfrm>
+          <a:prstGeom prst="rect">
+            <a:avLst/>
+          </a:prstGeom>
+        </p:spPr>
+      </p:pic>
+    </p:spTree>
+    <p:extLst>
+      <p:ext uri="{BB962C8B-B14F-4D97-AF65-F5344CB8AC3E}">
+        <p14:creationId xmlns:p14="http://schemas.microsoft.com/office/powerpoint/2010/main" val="4069876598"/>
+      </p:ext>
+    </p:extLst>
+  </p:cSld>
+  <p:clrMapOvr>
+    <a:masterClrMapping/>
+  </p:clrMapOvr>
+</p:sld>
+</file>
+
+<file path=ppt/slides/slide12.xml><?xml version="1.0" encoding="utf-8"?>
+<p:sld xmlns:a="http://schemas.openxmlformats.org/drawingml/2006/main" xmlns:r="http://schemas.openxmlformats.org/officeDocument/2006/relationships" xmlns:p="http://schemas.openxmlformats.org/presentationml/2006/main">
+  <p:cSld>
+    <p:spTree>
+      <p:nvGrpSpPr>
+        <p:cNvPr id="1" name=""/>
+        <p:cNvGrpSpPr/>
+        <p:nvPr/>
+      </p:nvGrpSpPr>
+      <p:grpSpPr>
+        <a:xfrm>
+          <a:off x="0" y="0"/>
+          <a:ext cx="0" cy="0"/>
+          <a:chOff x="0" y="0"/>
+          <a:chExt cx="0" cy="0"/>
+        </a:xfrm>
+      </p:grpSpPr>
+      <p:sp>
+        <p:nvSpPr>
+          <p:cNvPr id="2" name="Title 1"/>
+          <p:cNvSpPr>
+            <a:spLocks noGrp="1"/>
+          </p:cNvSpPr>
+          <p:nvPr>
+            <p:ph type="title"/>
+          </p:nvPr>
+        </p:nvSpPr>
+        <p:spPr/>
+        <p:txBody>
+          <a:bodyPr/>
+          <a:lstStyle/>
+          <a:p>
+            <a:r>
+              <a:rPr lang="en-IN" dirty="0" smtClean="0"/>
+              <a:t>City</a:t>
+            </a:r>
+            <a:endParaRPr lang="en-US" dirty="0"/>
+          </a:p>
+        </p:txBody>
+      </p:sp>
+      <p:grpSp>
+        <p:nvGrpSpPr>
+          <p:cNvPr id="16" name="Group 15"/>
+          <p:cNvGrpSpPr/>
+          <p:nvPr/>
+        </p:nvGrpSpPr>
+        <p:grpSpPr>
+          <a:xfrm>
+            <a:off x="2794958" y="2018492"/>
+            <a:ext cx="6480000" cy="4320000"/>
+            <a:chOff x="2794958" y="2018492"/>
+            <a:chExt cx="6480000" cy="4320000"/>
+          </a:xfrm>
+        </p:grpSpPr>
+        <p:grpSp>
+          <p:nvGrpSpPr>
+            <p:cNvPr id="24" name="Group 23"/>
+            <p:cNvGrpSpPr/>
+            <p:nvPr/>
+          </p:nvGrpSpPr>
+          <p:grpSpPr>
+            <a:xfrm>
+              <a:off x="2794958" y="2018492"/>
+              <a:ext cx="6480000" cy="4320000"/>
+              <a:chOff x="0" y="1690688"/>
+              <a:chExt cx="6480000" cy="4320000"/>
+            </a:xfrm>
+          </p:grpSpPr>
+          <p:sp>
+            <p:nvSpPr>
+              <p:cNvPr id="8" name="Rectangle 7"/>
+              <p:cNvSpPr/>
+              <p:nvPr/>
+            </p:nvSpPr>
+            <p:spPr>
+              <a:xfrm>
+                <a:off x="0" y="1690688"/>
+                <a:ext cx="6480000" cy="4320000"/>
+              </a:xfrm>
+              <a:prstGeom prst="rect">
+                <a:avLst/>
+              </a:prstGeom>
+              <a:blipFill dpi="0" rotWithShape="1">
+                <a:blip r:embed="rId2">
+                  <a:extLst>
+                    <a:ext uri="{28A0092B-C50C-407E-A947-70E740481C1C}">
+                      <a14:useLocalDpi xmlns:a14="http://schemas.microsoft.com/office/drawing/2010/main" val="0"/>
+                    </a:ext>
+                  </a:extLst>
+                </a:blip>
+                <a:srcRect/>
+                <a:stretch>
+                  <a:fillRect/>
+                </a:stretch>
+              </a:blipFill>
+            </p:spPr>
+            <p:style>
+              <a:lnRef idx="2">
+                <a:schemeClr val="accent1">
+                  <a:shade val="50000"/>
+                </a:schemeClr>
+              </a:lnRef>
+              <a:fillRef idx="1">
+                <a:schemeClr val="accent1"/>
+              </a:fillRef>
+              <a:effectRef idx="0">
+                <a:schemeClr val="accent1"/>
+              </a:effectRef>
+              <a:fontRef idx="minor">
+                <a:schemeClr val="lt1"/>
+              </a:fontRef>
+            </p:style>
+            <p:txBody>
+              <a:bodyPr rtlCol="0" anchor="ctr"/>
+              <a:lstStyle/>
+              <a:p>
+                <a:pPr algn="ctr"/>
+                <a:endParaRPr lang="en-US"/>
+              </a:p>
+            </p:txBody>
+          </p:sp>
+          <p:sp>
+            <p:nvSpPr>
+              <p:cNvPr id="15" name="Rectangle 14"/>
+              <p:cNvSpPr/>
+              <p:nvPr/>
+            </p:nvSpPr>
+            <p:spPr>
+              <a:xfrm>
+                <a:off x="2055012" y="1690688"/>
+                <a:ext cx="2369975" cy="606490"/>
+              </a:xfrm>
+              <a:prstGeom prst="rect">
+                <a:avLst/>
+              </a:prstGeom>
+              <a:ln/>
+              <a:effectLst>
+                <a:softEdge rad="63500"/>
+              </a:effectLst>
+            </p:spPr>
+            <p:style>
+              <a:lnRef idx="3">
+                <a:schemeClr val="lt1"/>
+              </a:lnRef>
+              <a:fillRef idx="1">
+                <a:schemeClr val="accent1"/>
+              </a:fillRef>
+              <a:effectRef idx="1">
+                <a:schemeClr val="accent1"/>
+              </a:effectRef>
+              <a:fontRef idx="minor">
+                <a:schemeClr val="lt1"/>
+              </a:fontRef>
+            </p:style>
+            <p:txBody>
+              <a:bodyPr rtlCol="0" anchor="ctr"/>
+              <a:lstStyle/>
+              <a:p>
+                <a:pPr algn="ctr"/>
+                <a:r>
+                  <a:rPr lang="en-IN" b="1" dirty="0" smtClean="0">
+                    <a:latin typeface="Arial Black" panose="020B0A04020102020204" pitchFamily="34" charset="0"/>
+                    <a:ea typeface="Adobe Ming Std L" panose="02020300000000000000" pitchFamily="18" charset="-128"/>
+                  </a:rPr>
+                  <a:t>COVID RACCOON</a:t>
+                </a:r>
+                <a:endParaRPr lang="en-US" b="1" dirty="0">
+                  <a:latin typeface="Arial Black" panose="020B0A04020102020204" pitchFamily="34" charset="0"/>
+                  <a:ea typeface="Adobe Ming Std L" panose="02020300000000000000" pitchFamily="18" charset="-128"/>
+                </a:endParaRPr>
+              </a:p>
+            </p:txBody>
+          </p:sp>
+        </p:grpSp>
+        <p:sp>
+          <p:nvSpPr>
+            <p:cNvPr id="3" name="Rectangle 2"/>
+            <p:cNvSpPr/>
+            <p:nvPr/>
+          </p:nvSpPr>
+          <p:spPr>
+            <a:xfrm>
+              <a:off x="2899255" y="5417388"/>
+              <a:ext cx="6271404" cy="845389"/>
+            </a:xfrm>
+            <a:prstGeom prst="rect">
+              <a:avLst/>
+            </a:prstGeom>
+            <a:effectLst>
+              <a:outerShdw blurRad="57150" dist="19050" dir="5400000" algn="ctr" rotWithShape="0">
+                <a:srgbClr val="000000">
+                  <a:alpha val="63000"/>
+                </a:srgbClr>
+              </a:outerShdw>
+              <a:softEdge rad="127000"/>
+            </a:effectLst>
+          </p:spPr>
+          <p:style>
+            <a:lnRef idx="0">
+              <a:schemeClr val="accent1"/>
+            </a:lnRef>
+            <a:fillRef idx="3">
+              <a:schemeClr val="accent1"/>
+            </a:fillRef>
+            <a:effectRef idx="3">
+              <a:schemeClr val="accent1"/>
+            </a:effectRef>
+            <a:fontRef idx="minor">
+              <a:schemeClr val="lt1"/>
+            </a:fontRef>
+          </p:style>
+          <p:txBody>
+            <a:bodyPr rtlCol="0" anchor="ctr"/>
+            <a:lstStyle/>
+            <a:p>
+              <a:pPr algn="ctr"/>
+              <a:r>
+                <a:rPr lang="en-IN" sz="1600" b="1" dirty="0" smtClean="0">
+                  <a:latin typeface="Arial Black" panose="020B0A04020102020204" pitchFamily="34" charset="0"/>
+                  <a:ea typeface="Adobe Ming Std L" panose="02020300000000000000" pitchFamily="18" charset="-128"/>
+                </a:rPr>
+                <a:t>Congrats! You sanitized the City! Now try to sanitize the  town with increased difficulty! All the best!</a:t>
+              </a:r>
+              <a:endParaRPr lang="en-US" sz="1600" dirty="0"/>
+            </a:p>
+          </p:txBody>
+        </p:sp>
+        <p:pic>
+          <p:nvPicPr>
+            <p:cNvPr id="7" name="Picture 6"/>
+            <p:cNvPicPr>
+              <a:picLocks noChangeAspect="1"/>
+            </p:cNvPicPr>
+            <p:nvPr/>
+          </p:nvPicPr>
+          <p:blipFill>
+            <a:blip r:embed="rId3">
+              <a:extLst>
+                <a:ext uri="{28A0092B-C50C-407E-A947-70E740481C1C}">
+                  <a14:useLocalDpi xmlns:a14="http://schemas.microsoft.com/office/drawing/2010/main" val="0"/>
+                </a:ext>
+              </a:extLst>
+            </a:blip>
+            <a:stretch>
+              <a:fillRect/>
+            </a:stretch>
+          </p:blipFill>
+          <p:spPr>
+            <a:xfrm>
+              <a:off x="6003985" y="2952786"/>
+              <a:ext cx="3270973" cy="2178890"/>
+            </a:xfrm>
+            <a:prstGeom prst="rect">
+              <a:avLst/>
+            </a:prstGeom>
+          </p:spPr>
+        </p:pic>
+        <p:pic>
+          <p:nvPicPr>
+            <p:cNvPr id="2050" name="Picture 2" descr="Dead Germs Images, Stock Photos &amp; Vectors | Shutterstock"/>
+            <p:cNvPicPr>
+              <a:picLocks noChangeAspect="1" noChangeArrowheads="1"/>
+            </p:cNvPicPr>
+            <p:nvPr/>
+          </p:nvPicPr>
+          <p:blipFill>
+            <a:blip r:embed="rId4">
+              <a:extLst>
+                <a:ext uri="{28A0092B-C50C-407E-A947-70E740481C1C}">
+                  <a14:useLocalDpi xmlns:a14="http://schemas.microsoft.com/office/drawing/2010/main" val="0"/>
+                </a:ext>
+              </a:extLst>
+            </a:blip>
+            <a:srcRect/>
+            <a:stretch>
+              <a:fillRect/>
+            </a:stretch>
+          </p:blipFill>
+          <p:spPr bwMode="auto">
+            <a:xfrm>
+              <a:off x="3519573" y="2542534"/>
+              <a:ext cx="2941611" cy="2639907"/>
+            </a:xfrm>
+            <a:prstGeom prst="rect">
+              <a:avLst/>
+            </a:prstGeom>
+            <a:noFill/>
+            <a:extLst>
+              <a:ext uri="{909E8E84-426E-40DD-AFC4-6F175D3DCCD1}">
+                <a14:hiddenFill xmlns:a14="http://schemas.microsoft.com/office/drawing/2010/main">
+                  <a:solidFill>
+                    <a:srgbClr val="FFFFFF"/>
+                  </a:solidFill>
+                </a14:hiddenFill>
+              </a:ext>
+            </a:extLst>
+          </p:spPr>
+        </p:pic>
+      </p:grpSp>
+    </p:spTree>
+    <p:extLst>
+      <p:ext uri="{BB962C8B-B14F-4D97-AF65-F5344CB8AC3E}">
+        <p14:creationId xmlns:p14="http://schemas.microsoft.com/office/powerpoint/2010/main" val="3442898833"/>
+      </p:ext>
+    </p:extLst>
+  </p:cSld>
+  <p:clrMapOvr>
+    <a:masterClrMapping/>
+  </p:clrMapOvr>
+</p:sld>
+</file>
+
 <file path=ppt/slides/slide2.xml><?xml version="1.0" encoding="utf-8"?>
 <p:sld xmlns:a="http://schemas.openxmlformats.org/drawingml/2006/main" xmlns:r="http://schemas.openxmlformats.org/officeDocument/2006/relationships" xmlns:p="http://schemas.openxmlformats.org/presentationml/2006/main">
   <p:cSld>
@@ -3956,6 +4971,186 @@
             </a:p>
           </p:txBody>
         </p:sp>
+      </p:grpSp>
+    </p:spTree>
+    <p:extLst>
+      <p:ext uri="{BB962C8B-B14F-4D97-AF65-F5344CB8AC3E}">
+        <p14:creationId xmlns:p14="http://schemas.microsoft.com/office/powerpoint/2010/main" val="1389062533"/>
+      </p:ext>
+    </p:extLst>
+  </p:cSld>
+  <p:clrMapOvr>
+    <a:masterClrMapping/>
+  </p:clrMapOvr>
+</p:sld>
+</file>
+
+<file path=ppt/slides/slide8.xml><?xml version="1.0" encoding="utf-8"?>
+<p:sld xmlns:a="http://schemas.openxmlformats.org/drawingml/2006/main" xmlns:r="http://schemas.openxmlformats.org/officeDocument/2006/relationships" xmlns:p="http://schemas.openxmlformats.org/presentationml/2006/main">
+  <p:cSld>
+    <p:spTree>
+      <p:nvGrpSpPr>
+        <p:cNvPr id="1" name=""/>
+        <p:cNvGrpSpPr/>
+        <p:nvPr/>
+      </p:nvGrpSpPr>
+      <p:grpSpPr>
+        <a:xfrm>
+          <a:off x="0" y="0"/>
+          <a:ext cx="0" cy="0"/>
+          <a:chOff x="0" y="0"/>
+          <a:chExt cx="0" cy="0"/>
+        </a:xfrm>
+      </p:grpSpPr>
+      <p:sp>
+        <p:nvSpPr>
+          <p:cNvPr id="2" name="Title 1"/>
+          <p:cNvSpPr>
+            <a:spLocks noGrp="1"/>
+          </p:cNvSpPr>
+          <p:nvPr>
+            <p:ph type="title"/>
+          </p:nvPr>
+        </p:nvSpPr>
+        <p:spPr/>
+        <p:txBody>
+          <a:bodyPr/>
+          <a:lstStyle/>
+          <a:p>
+            <a:r>
+              <a:rPr lang="en-IN" dirty="0" smtClean="0"/>
+              <a:t>City</a:t>
+            </a:r>
+            <a:endParaRPr lang="en-US" dirty="0"/>
+          </a:p>
+        </p:txBody>
+      </p:sp>
+      <p:grpSp>
+        <p:nvGrpSpPr>
+          <p:cNvPr id="24" name="Group 23"/>
+          <p:cNvGrpSpPr/>
+          <p:nvPr/>
+        </p:nvGrpSpPr>
+        <p:grpSpPr>
+          <a:xfrm>
+            <a:off x="0" y="1690688"/>
+            <a:ext cx="6480000" cy="4320000"/>
+            <a:chOff x="0" y="1690688"/>
+            <a:chExt cx="6480000" cy="4320000"/>
+          </a:xfrm>
+        </p:grpSpPr>
+        <p:sp>
+          <p:nvSpPr>
+            <p:cNvPr id="8" name="Rectangle 7"/>
+            <p:cNvSpPr/>
+            <p:nvPr/>
+          </p:nvSpPr>
+          <p:spPr>
+            <a:xfrm>
+              <a:off x="0" y="1690688"/>
+              <a:ext cx="6480000" cy="4320000"/>
+            </a:xfrm>
+            <a:prstGeom prst="rect">
+              <a:avLst/>
+            </a:prstGeom>
+            <a:blipFill dpi="0" rotWithShape="1">
+              <a:blip r:embed="rId2">
+                <a:extLst>
+                  <a:ext uri="{28A0092B-C50C-407E-A947-70E740481C1C}">
+                    <a14:useLocalDpi xmlns:a14="http://schemas.microsoft.com/office/drawing/2010/main" val="0"/>
+                  </a:ext>
+                </a:extLst>
+              </a:blip>
+              <a:srcRect/>
+              <a:stretch>
+                <a:fillRect/>
+              </a:stretch>
+            </a:blipFill>
+          </p:spPr>
+          <p:style>
+            <a:lnRef idx="2">
+              <a:schemeClr val="accent1">
+                <a:shade val="50000"/>
+              </a:schemeClr>
+            </a:lnRef>
+            <a:fillRef idx="1">
+              <a:schemeClr val="accent1"/>
+            </a:fillRef>
+            <a:effectRef idx="0">
+              <a:schemeClr val="accent1"/>
+            </a:effectRef>
+            <a:fontRef idx="minor">
+              <a:schemeClr val="lt1"/>
+            </a:fontRef>
+          </p:style>
+          <p:txBody>
+            <a:bodyPr rtlCol="0" anchor="ctr"/>
+            <a:lstStyle/>
+            <a:p>
+              <a:pPr algn="ctr"/>
+              <a:endParaRPr lang="en-US"/>
+            </a:p>
+          </p:txBody>
+        </p:sp>
+        <p:sp>
+          <p:nvSpPr>
+            <p:cNvPr id="15" name="Rectangle 14"/>
+            <p:cNvSpPr/>
+            <p:nvPr/>
+          </p:nvSpPr>
+          <p:spPr>
+            <a:xfrm>
+              <a:off x="0" y="1690688"/>
+              <a:ext cx="5149970" cy="606490"/>
+            </a:xfrm>
+            <a:prstGeom prst="rect">
+              <a:avLst/>
+            </a:prstGeom>
+            <a:ln/>
+            <a:effectLst>
+              <a:softEdge rad="63500"/>
+            </a:effectLst>
+          </p:spPr>
+          <p:style>
+            <a:lnRef idx="3">
+              <a:schemeClr val="lt1"/>
+            </a:lnRef>
+            <a:fillRef idx="1">
+              <a:schemeClr val="accent1"/>
+            </a:fillRef>
+            <a:effectRef idx="1">
+              <a:schemeClr val="accent1"/>
+            </a:effectRef>
+            <a:fontRef idx="minor">
+              <a:schemeClr val="lt1"/>
+            </a:fontRef>
+          </p:style>
+          <p:txBody>
+            <a:bodyPr rtlCol="0" anchor="ctr"/>
+            <a:lstStyle/>
+            <a:p>
+              <a:pPr algn="ctr"/>
+              <a:r>
+                <a:rPr lang="en-IN" b="1" dirty="0" smtClean="0">
+                  <a:latin typeface="Arial Black" panose="020B0A04020102020204" pitchFamily="34" charset="0"/>
+                  <a:ea typeface="Adobe Ming Std L" panose="02020300000000000000" pitchFamily="18" charset="-128"/>
+                </a:rPr>
+                <a:t>COVID </a:t>
+              </a:r>
+              <a:r>
+                <a:rPr lang="en-IN" b="1" dirty="0" smtClean="0">
+                  <a:latin typeface="Arial Black" panose="020B0A04020102020204" pitchFamily="34" charset="0"/>
+                  <a:ea typeface="Adobe Ming Std L" panose="02020300000000000000" pitchFamily="18" charset="-128"/>
+                </a:rPr>
+                <a:t>RACCOON: SAVE THE CITY</a:t>
+              </a:r>
+              <a:endParaRPr lang="en-US" b="1" dirty="0">
+                <a:latin typeface="Arial Black" panose="020B0A04020102020204" pitchFamily="34" charset="0"/>
+                <a:ea typeface="Adobe Ming Std L" panose="02020300000000000000" pitchFamily="18" charset="-128"/>
+              </a:endParaRPr>
+            </a:p>
+          </p:txBody>
+        </p:sp>
         <p:pic>
           <p:nvPicPr>
             <p:cNvPr id="18" name="Picture 17"/>
@@ -4050,7 +5245,7 @@
     </p:spTree>
     <p:extLst>
       <p:ext uri="{BB962C8B-B14F-4D97-AF65-F5344CB8AC3E}">
-        <p14:creationId xmlns:p14="http://schemas.microsoft.com/office/powerpoint/2010/main" val="1389062533"/>
+        <p14:creationId xmlns:p14="http://schemas.microsoft.com/office/powerpoint/2010/main" val="112327696"/>
       </p:ext>
     </p:extLst>
   </p:cSld>
@@ -4060,7 +5255,7 @@
 </p:sld>
 </file>
 
-<file path=ppt/slides/slide8.xml><?xml version="1.0" encoding="utf-8"?>
+<file path=ppt/slides/slide9.xml><?xml version="1.0" encoding="utf-8"?>
 <p:sld xmlns:a="http://schemas.openxmlformats.org/drawingml/2006/main" xmlns:r="http://schemas.openxmlformats.org/officeDocument/2006/relationships" xmlns:p="http://schemas.openxmlformats.org/presentationml/2006/main">
   <p:cSld>
     <p:spTree>
@@ -4167,58 +5362,6 @@
             </a:p>
           </p:txBody>
         </p:sp>
-        <p:sp>
-          <p:nvSpPr>
-            <p:cNvPr id="15" name="Rectangle 14"/>
-            <p:cNvSpPr/>
-            <p:nvPr/>
-          </p:nvSpPr>
-          <p:spPr>
-            <a:xfrm>
-              <a:off x="2055012" y="1690688"/>
-              <a:ext cx="2369975" cy="606490"/>
-            </a:xfrm>
-            <a:prstGeom prst="rect">
-              <a:avLst/>
-            </a:prstGeom>
-            <a:ln/>
-            <a:effectLst>
-              <a:softEdge rad="63500"/>
-            </a:effectLst>
-          </p:spPr>
-          <p:style>
-            <a:lnRef idx="3">
-              <a:schemeClr val="lt1"/>
-            </a:lnRef>
-            <a:fillRef idx="1">
-              <a:schemeClr val="accent1"/>
-            </a:fillRef>
-            <a:effectRef idx="1">
-              <a:schemeClr val="accent1"/>
-            </a:effectRef>
-            <a:fontRef idx="minor">
-              <a:schemeClr val="lt1"/>
-            </a:fontRef>
-          </p:style>
-          <p:txBody>
-            <a:bodyPr rtlCol="0" anchor="ctr"/>
-            <a:lstStyle/>
-            <a:p>
-              <a:pPr algn="ctr"/>
-              <a:r>
-                <a:rPr lang="en-IN" b="1" dirty="0" smtClean="0">
-                  <a:latin typeface="Arial Black" panose="020B0A04020102020204" pitchFamily="34" charset="0"/>
-                  <a:ea typeface="Adobe Ming Std L" panose="02020300000000000000" pitchFamily="18" charset="-128"/>
-                </a:rPr>
-                <a:t>COVID RACCOON</a:t>
-              </a:r>
-              <a:endParaRPr lang="en-US" b="1" dirty="0">
-                <a:latin typeface="Arial Black" panose="020B0A04020102020204" pitchFamily="34" charset="0"/>
-                <a:ea typeface="Adobe Ming Std L" panose="02020300000000000000" pitchFamily="18" charset="-128"/>
-              </a:endParaRPr>
-            </a:p>
-          </p:txBody>
-        </p:sp>
         <p:pic>
           <p:nvPicPr>
             <p:cNvPr id="18" name="Picture 17"/>
@@ -4280,213 +5423,69 @@
           </p:spPr>
         </p:pic>
       </p:grpSp>
+      <p:sp>
+        <p:nvSpPr>
+          <p:cNvPr id="9" name="Rectangle 8"/>
+          <p:cNvSpPr/>
+          <p:nvPr/>
+        </p:nvSpPr>
+        <p:spPr>
+          <a:xfrm>
+            <a:off x="0" y="1690688"/>
+            <a:ext cx="5149970" cy="606490"/>
+          </a:xfrm>
+          <a:prstGeom prst="rect">
+            <a:avLst/>
+          </a:prstGeom>
+          <a:ln/>
+          <a:effectLst>
+            <a:softEdge rad="63500"/>
+          </a:effectLst>
+        </p:spPr>
+        <p:style>
+          <a:lnRef idx="3">
+            <a:schemeClr val="lt1"/>
+          </a:lnRef>
+          <a:fillRef idx="1">
+            <a:schemeClr val="accent1"/>
+          </a:fillRef>
+          <a:effectRef idx="1">
+            <a:schemeClr val="accent1"/>
+          </a:effectRef>
+          <a:fontRef idx="minor">
+            <a:schemeClr val="lt1"/>
+          </a:fontRef>
+        </p:style>
+        <p:txBody>
+          <a:bodyPr rtlCol="0" anchor="ctr"/>
+          <a:lstStyle/>
+          <a:p>
+            <a:pPr algn="ctr"/>
+            <a:r>
+              <a:rPr lang="en-IN" b="1" dirty="0" smtClean="0">
+                <a:latin typeface="Arial Black" panose="020B0A04020102020204" pitchFamily="34" charset="0"/>
+                <a:ea typeface="Adobe Ming Std L" panose="02020300000000000000" pitchFamily="18" charset="-128"/>
+              </a:rPr>
+              <a:t>COVID </a:t>
+            </a:r>
+            <a:r>
+              <a:rPr lang="en-IN" b="1" dirty="0" smtClean="0">
+                <a:latin typeface="Arial Black" panose="020B0A04020102020204" pitchFamily="34" charset="0"/>
+                <a:ea typeface="Adobe Ming Std L" panose="02020300000000000000" pitchFamily="18" charset="-128"/>
+              </a:rPr>
+              <a:t>RACCOON: SAVE THE CITY</a:t>
+            </a:r>
+            <a:endParaRPr lang="en-US" b="1" dirty="0">
+              <a:latin typeface="Arial Black" panose="020B0A04020102020204" pitchFamily="34" charset="0"/>
+              <a:ea typeface="Adobe Ming Std L" panose="02020300000000000000" pitchFamily="18" charset="-128"/>
+            </a:endParaRPr>
+          </a:p>
+        </p:txBody>
+      </p:sp>
     </p:spTree>
     <p:extLst>
       <p:ext uri="{BB962C8B-B14F-4D97-AF65-F5344CB8AC3E}">
         <p14:creationId xmlns:p14="http://schemas.microsoft.com/office/powerpoint/2010/main" val="1630358068"/>
-      </p:ext>
-    </p:extLst>
-  </p:cSld>
-  <p:clrMapOvr>
-    <a:masterClrMapping/>
-  </p:clrMapOvr>
-</p:sld>
-</file>
-
-<file path=ppt/slides/slide9.xml><?xml version="1.0" encoding="utf-8"?>
-<p:sld xmlns:a="http://schemas.openxmlformats.org/drawingml/2006/main" xmlns:r="http://schemas.openxmlformats.org/officeDocument/2006/relationships" xmlns:p="http://schemas.openxmlformats.org/presentationml/2006/main">
-  <p:cSld>
-    <p:spTree>
-      <p:nvGrpSpPr>
-        <p:cNvPr id="1" name=""/>
-        <p:cNvGrpSpPr/>
-        <p:nvPr/>
-      </p:nvGrpSpPr>
-      <p:grpSpPr>
-        <a:xfrm>
-          <a:off x="0" y="0"/>
-          <a:ext cx="0" cy="0"/>
-          <a:chOff x="0" y="0"/>
-          <a:chExt cx="0" cy="0"/>
-        </a:xfrm>
-      </p:grpSpPr>
-      <p:sp>
-        <p:nvSpPr>
-          <p:cNvPr id="2" name="Title 1"/>
-          <p:cNvSpPr>
-            <a:spLocks noGrp="1"/>
-          </p:cNvSpPr>
-          <p:nvPr>
-            <p:ph type="title"/>
-          </p:nvPr>
-        </p:nvSpPr>
-        <p:spPr/>
-        <p:txBody>
-          <a:bodyPr/>
-          <a:lstStyle/>
-          <a:p>
-            <a:r>
-              <a:rPr lang="en-IN" dirty="0" smtClean="0"/>
-              <a:t>City</a:t>
-            </a:r>
-            <a:endParaRPr lang="en-US" dirty="0"/>
-          </a:p>
-        </p:txBody>
-      </p:sp>
-      <p:grpSp>
-        <p:nvGrpSpPr>
-          <p:cNvPr id="3" name="Group 2"/>
-          <p:cNvGrpSpPr/>
-          <p:nvPr/>
-        </p:nvGrpSpPr>
-        <p:grpSpPr>
-          <a:xfrm>
-            <a:off x="0" y="1690688"/>
-            <a:ext cx="6480000" cy="4320000"/>
-            <a:chOff x="0" y="1690688"/>
-            <a:chExt cx="6480000" cy="4320000"/>
-          </a:xfrm>
-        </p:grpSpPr>
-        <p:sp>
-          <p:nvSpPr>
-            <p:cNvPr id="8" name="Rectangle 7"/>
-            <p:cNvSpPr/>
-            <p:nvPr/>
-          </p:nvSpPr>
-          <p:spPr>
-            <a:xfrm>
-              <a:off x="0" y="1690688"/>
-              <a:ext cx="6480000" cy="4320000"/>
-            </a:xfrm>
-            <a:prstGeom prst="rect">
-              <a:avLst/>
-            </a:prstGeom>
-            <a:blipFill dpi="0" rotWithShape="1">
-              <a:blip r:embed="rId2">
-                <a:extLst>
-                  <a:ext uri="{28A0092B-C50C-407E-A947-70E740481C1C}">
-                    <a14:useLocalDpi xmlns:a14="http://schemas.microsoft.com/office/drawing/2010/main" val="0"/>
-                  </a:ext>
-                </a:extLst>
-              </a:blip>
-              <a:srcRect/>
-              <a:stretch>
-                <a:fillRect/>
-              </a:stretch>
-            </a:blipFill>
-          </p:spPr>
-          <p:style>
-            <a:lnRef idx="2">
-              <a:schemeClr val="accent1">
-                <a:shade val="50000"/>
-              </a:schemeClr>
-            </a:lnRef>
-            <a:fillRef idx="1">
-              <a:schemeClr val="accent1"/>
-            </a:fillRef>
-            <a:effectRef idx="0">
-              <a:schemeClr val="accent1"/>
-            </a:effectRef>
-            <a:fontRef idx="minor">
-              <a:schemeClr val="lt1"/>
-            </a:fontRef>
-          </p:style>
-          <p:txBody>
-            <a:bodyPr rtlCol="0" anchor="ctr"/>
-            <a:lstStyle/>
-            <a:p>
-              <a:pPr algn="ctr"/>
-              <a:endParaRPr lang="en-US"/>
-            </a:p>
-          </p:txBody>
-        </p:sp>
-        <p:sp>
-          <p:nvSpPr>
-            <p:cNvPr id="15" name="Rectangle 14"/>
-            <p:cNvSpPr/>
-            <p:nvPr/>
-          </p:nvSpPr>
-          <p:spPr>
-            <a:xfrm>
-              <a:off x="2055012" y="1690688"/>
-              <a:ext cx="2369975" cy="606490"/>
-            </a:xfrm>
-            <a:prstGeom prst="rect">
-              <a:avLst/>
-            </a:prstGeom>
-            <a:ln/>
-            <a:effectLst>
-              <a:softEdge rad="63500"/>
-            </a:effectLst>
-          </p:spPr>
-          <p:style>
-            <a:lnRef idx="3">
-              <a:schemeClr val="lt1"/>
-            </a:lnRef>
-            <a:fillRef idx="1">
-              <a:schemeClr val="accent1"/>
-            </a:fillRef>
-            <a:effectRef idx="1">
-              <a:schemeClr val="accent1"/>
-            </a:effectRef>
-            <a:fontRef idx="minor">
-              <a:schemeClr val="lt1"/>
-            </a:fontRef>
-          </p:style>
-          <p:txBody>
-            <a:bodyPr rtlCol="0" anchor="ctr"/>
-            <a:lstStyle/>
-            <a:p>
-              <a:pPr algn="ctr"/>
-              <a:r>
-                <a:rPr lang="en-IN" b="1" dirty="0" smtClean="0">
-                  <a:latin typeface="Arial Black" panose="020B0A04020102020204" pitchFamily="34" charset="0"/>
-                  <a:ea typeface="Adobe Ming Std L" panose="02020300000000000000" pitchFamily="18" charset="-128"/>
-                </a:rPr>
-                <a:t>COVID RACCOON</a:t>
-              </a:r>
-              <a:endParaRPr lang="en-US" b="1" dirty="0">
-                <a:latin typeface="Arial Black" panose="020B0A04020102020204" pitchFamily="34" charset="0"/>
-                <a:ea typeface="Adobe Ming Std L" panose="02020300000000000000" pitchFamily="18" charset="-128"/>
-              </a:endParaRPr>
-            </a:p>
-          </p:txBody>
-        </p:sp>
-        <p:pic>
-          <p:nvPicPr>
-            <p:cNvPr id="18" name="Picture 17"/>
-            <p:cNvPicPr>
-              <a:picLocks noChangeAspect="1"/>
-            </p:cNvPicPr>
-            <p:nvPr/>
-          </p:nvPicPr>
-          <p:blipFill>
-            <a:blip r:embed="rId3">
-              <a:extLst>
-                <a:ext uri="{28A0092B-C50C-407E-A947-70E740481C1C}">
-                  <a14:useLocalDpi xmlns:a14="http://schemas.microsoft.com/office/drawing/2010/main" val="0"/>
-                </a:ext>
-              </a:extLst>
-            </a:blip>
-            <a:stretch>
-              <a:fillRect/>
-            </a:stretch>
-          </p:blipFill>
-          <p:spPr>
-            <a:xfrm>
-              <a:off x="6120304" y="1789565"/>
-              <a:ext cx="359695" cy="597460"/>
-            </a:xfrm>
-            <a:prstGeom prst="rect">
-              <a:avLst/>
-            </a:prstGeom>
-          </p:spPr>
-        </p:pic>
-      </p:grpSp>
-    </p:spTree>
-    <p:extLst>
-      <p:ext uri="{BB962C8B-B14F-4D97-AF65-F5344CB8AC3E}">
-        <p14:creationId xmlns:p14="http://schemas.microsoft.com/office/powerpoint/2010/main" val="4287676511"/>
       </p:ext>
     </p:extLst>
   </p:cSld>
